--- a/발표ppt.pptx
+++ b/발표ppt.pptx
@@ -11018,7 +11018,7 @@
                 <a:effectLst/>
                 <a:latin typeface="Söhne"/>
               </a:rPr>
-              <a:t>.</a:t>
+              <a:t>. </a:t>
             </a:r>
           </a:p>
         </p:txBody>
@@ -11596,6 +11596,119 @@
           </a:fontRef>
         </p:style>
       </p:cxnSp>
+      <p:grpSp>
+        <p:nvGrpSpPr>
+          <p:cNvPr id="9" name="그룹 8">
+            <a:extLst>
+              <a:ext uri="{FF2B5EF4-FFF2-40B4-BE49-F238E27FC236}">
+                <a16:creationId xmlns:a16="http://schemas.microsoft.com/office/drawing/2014/main" id="{4E45F8DC-49CC-B300-0E42-EC90A822E864}"/>
+              </a:ext>
+            </a:extLst>
+          </p:cNvPr>
+          <p:cNvGrpSpPr/>
+          <p:nvPr/>
+        </p:nvGrpSpPr>
+        <p:grpSpPr>
+          <a:xfrm>
+            <a:off x="2852795" y="2669316"/>
+            <a:ext cx="683200" cy="540632"/>
+            <a:chOff x="4209646" y="1917589"/>
+            <a:chExt cx="3538295" cy="2799933"/>
+          </a:xfrm>
+        </p:grpSpPr>
+        <p:pic>
+          <p:nvPicPr>
+            <p:cNvPr id="6" name="Picture 2" descr="D-171] 공부 끝 - 오르비">
+              <a:extLst>
+                <a:ext uri="{FF2B5EF4-FFF2-40B4-BE49-F238E27FC236}">
+                  <a16:creationId xmlns:a16="http://schemas.microsoft.com/office/drawing/2014/main" id="{BD5EB373-6EBE-5715-F0E3-E737E817A6E7}"/>
+                </a:ext>
+              </a:extLst>
+            </p:cNvPr>
+            <p:cNvPicPr>
+              <a:picLocks noChangeAspect="1" noChangeArrowheads="1"/>
+            </p:cNvPicPr>
+            <p:nvPr/>
+          </p:nvPicPr>
+          <p:blipFill rotWithShape="1">
+            <a:blip r:embed="rId6"/>
+            <a:srcRect l="33060"/>
+            <a:stretch>
+              <a:fillRect/>
+            </a:stretch>
+          </p:blipFill>
+          <p:spPr>
+            <a:xfrm>
+              <a:off x="4864390" y="1917589"/>
+              <a:ext cx="2883551" cy="2799933"/>
+            </a:xfrm>
+            <a:prstGeom prst="rect">
+              <a:avLst/>
+            </a:prstGeom>
+            <a:noFill/>
+          </p:spPr>
+        </p:pic>
+        <p:pic>
+          <p:nvPicPr>
+            <p:cNvPr id="7" name="그림 6">
+              <a:extLst>
+                <a:ext uri="{FF2B5EF4-FFF2-40B4-BE49-F238E27FC236}">
+                  <a16:creationId xmlns:a16="http://schemas.microsoft.com/office/drawing/2014/main" id="{6ED7C3BE-B424-4627-5B78-20122DD7EF70}"/>
+                </a:ext>
+              </a:extLst>
+            </p:cNvPr>
+            <p:cNvPicPr>
+              <a:picLocks noChangeAspect="1"/>
+            </p:cNvPicPr>
+            <p:nvPr/>
+          </p:nvPicPr>
+          <p:blipFill rotWithShape="1">
+            <a:blip r:embed="rId7"/>
+            <a:stretch>
+              <a:fillRect/>
+            </a:stretch>
+          </p:blipFill>
+          <p:spPr>
+            <a:xfrm>
+              <a:off x="5464086" y="1987172"/>
+              <a:ext cx="1899303" cy="1899303"/>
+            </a:xfrm>
+            <a:prstGeom prst="rect">
+              <a:avLst/>
+            </a:prstGeom>
+          </p:spPr>
+        </p:pic>
+        <p:pic>
+          <p:nvPicPr>
+            <p:cNvPr id="8" name="그림 7">
+              <a:extLst>
+                <a:ext uri="{FF2B5EF4-FFF2-40B4-BE49-F238E27FC236}">
+                  <a16:creationId xmlns:a16="http://schemas.microsoft.com/office/drawing/2014/main" id="{1760938D-B9A3-1796-14F0-E5922EECC2BB}"/>
+                </a:ext>
+              </a:extLst>
+            </p:cNvPr>
+            <p:cNvPicPr>
+              <a:picLocks noChangeAspect="1"/>
+            </p:cNvPicPr>
+            <p:nvPr/>
+          </p:nvPicPr>
+          <p:blipFill rotWithShape="1">
+            <a:blip r:embed="rId8"/>
+            <a:stretch>
+              <a:fillRect/>
+            </a:stretch>
+          </p:blipFill>
+          <p:spPr>
+            <a:xfrm rot="829132">
+              <a:off x="4209646" y="2291785"/>
+              <a:ext cx="1484186" cy="2281503"/>
+            </a:xfrm>
+            <a:prstGeom prst="rect">
+              <a:avLst/>
+            </a:prstGeom>
+          </p:spPr>
+        </p:pic>
+      </p:grpSp>
     </p:spTree>
     <p:extLst>
       <p:ext uri="{BB962C8B-B14F-4D97-AF65-F5344CB8AC3E}">
@@ -11610,7 +11723,7 @@
 </file>
 
 <file path=ppt/slides/slide11.xml><?xml version="1.0" encoding="utf-8"?>
-<p:sld xmlns:a="http://schemas.openxmlformats.org/drawingml/2006/main" xmlns:r="http://schemas.openxmlformats.org/officeDocument/2006/relationships" xmlns:p="http://schemas.openxmlformats.org/presentationml/2006/main">
+<p:sld xmlns:a="http://schemas.openxmlformats.org/drawingml/2006/main" xmlns:r="http://schemas.openxmlformats.org/officeDocument/2006/relationships" xmlns:p="http://schemas.openxmlformats.org/presentationml/2006/main" show="0">
   <p:cSld>
     <p:spTree>
       <p:nvGrpSpPr>
@@ -15183,6 +15296,48 @@
           </a:p>
         </p:txBody>
       </p:sp>
+      <p:cxnSp>
+        <p:nvCxnSpPr>
+          <p:cNvPr id="6" name="직선 연결선 5">
+            <a:extLst>
+              <a:ext uri="{FF2B5EF4-FFF2-40B4-BE49-F238E27FC236}">
+                <a16:creationId xmlns:a16="http://schemas.microsoft.com/office/drawing/2014/main" id="{211FAECE-D902-5142-B557-669B8C95E1DA}"/>
+              </a:ext>
+            </a:extLst>
+          </p:cNvPr>
+          <p:cNvCxnSpPr/>
+          <p:nvPr/>
+        </p:nvCxnSpPr>
+        <p:spPr>
+          <a:xfrm>
+            <a:off x="748582" y="1086592"/>
+            <a:ext cx="10608354" cy="0"/>
+          </a:xfrm>
+          <a:prstGeom prst="line">
+            <a:avLst/>
+          </a:prstGeom>
+          <a:ln>
+            <a:solidFill>
+              <a:schemeClr val="tx1"/>
+            </a:solidFill>
+            <a:headEnd type="oval"/>
+          </a:ln>
+        </p:spPr>
+        <p:style>
+          <a:lnRef idx="1">
+            <a:schemeClr val="accent1"/>
+          </a:lnRef>
+          <a:fillRef idx="0">
+            <a:schemeClr val="accent1"/>
+          </a:fillRef>
+          <a:effectRef idx="0">
+            <a:schemeClr val="accent1"/>
+          </a:effectRef>
+          <a:fontRef idx="minor">
+            <a:schemeClr val="tx1"/>
+          </a:fontRef>
+        </p:style>
+      </p:cxnSp>
     </p:spTree>
     <p:extLst>
       <p:ext uri="{BB962C8B-B14F-4D97-AF65-F5344CB8AC3E}">
@@ -28716,7 +28871,7 @@
 </file>
 
 <file path=ppt/slides/slide5.xml><?xml version="1.0" encoding="utf-8"?>
-<p:sld xmlns:a="http://schemas.openxmlformats.org/drawingml/2006/main" xmlns:r="http://schemas.openxmlformats.org/officeDocument/2006/relationships" xmlns:p="http://schemas.openxmlformats.org/presentationml/2006/main">
+<p:sld xmlns:a="http://schemas.openxmlformats.org/drawingml/2006/main" xmlns:r="http://schemas.openxmlformats.org/officeDocument/2006/relationships" xmlns:p="http://schemas.openxmlformats.org/presentationml/2006/main" show="0">
   <p:cSld>
     <p:spTree>
       <p:nvGrpSpPr>
@@ -36802,7 +36957,7 @@
 </file>
 
 <file path=ppt/slides/slide7.xml><?xml version="1.0" encoding="utf-8"?>
-<p:sld xmlns:a="http://schemas.openxmlformats.org/drawingml/2006/main" xmlns:r="http://schemas.openxmlformats.org/officeDocument/2006/relationships" xmlns:p="http://schemas.openxmlformats.org/presentationml/2006/main">
+<p:sld xmlns:a="http://schemas.openxmlformats.org/drawingml/2006/main" xmlns:r="http://schemas.openxmlformats.org/officeDocument/2006/relationships" xmlns:p="http://schemas.openxmlformats.org/presentationml/2006/main" show="0">
   <p:cSld>
     <p:spTree>
       <p:nvGrpSpPr>
@@ -40414,6 +40569,48 @@
           </a:p>
         </p:txBody>
       </p:sp>
+      <p:cxnSp>
+        <p:nvCxnSpPr>
+          <p:cNvPr id="6" name="직선 연결선 5">
+            <a:extLst>
+              <a:ext uri="{FF2B5EF4-FFF2-40B4-BE49-F238E27FC236}">
+                <a16:creationId xmlns:a16="http://schemas.microsoft.com/office/drawing/2014/main" id="{83835CC1-A15B-A170-DDA9-B60E0AD00569}"/>
+              </a:ext>
+            </a:extLst>
+          </p:cNvPr>
+          <p:cNvCxnSpPr/>
+          <p:nvPr/>
+        </p:nvCxnSpPr>
+        <p:spPr>
+          <a:xfrm>
+            <a:off x="748582" y="1086592"/>
+            <a:ext cx="10608354" cy="0"/>
+          </a:xfrm>
+          <a:prstGeom prst="line">
+            <a:avLst/>
+          </a:prstGeom>
+          <a:ln>
+            <a:solidFill>
+              <a:schemeClr val="tx1"/>
+            </a:solidFill>
+            <a:headEnd type="oval"/>
+          </a:ln>
+        </p:spPr>
+        <p:style>
+          <a:lnRef idx="1">
+            <a:schemeClr val="accent1"/>
+          </a:lnRef>
+          <a:fillRef idx="0">
+            <a:schemeClr val="accent1"/>
+          </a:fillRef>
+          <a:effectRef idx="0">
+            <a:schemeClr val="accent1"/>
+          </a:effectRef>
+          <a:fontRef idx="minor">
+            <a:schemeClr val="tx1"/>
+          </a:fontRef>
+        </p:style>
+      </p:cxnSp>
     </p:spTree>
     <p:extLst>
       <p:ext uri="{BB962C8B-B14F-4D97-AF65-F5344CB8AC3E}">
@@ -44040,6 +44237,2135 @@
           </a:p>
         </p:txBody>
       </p:sp>
+      <p:cxnSp>
+        <p:nvCxnSpPr>
+          <p:cNvPr id="6" name="직선 연결선 5">
+            <a:extLst>
+              <a:ext uri="{FF2B5EF4-FFF2-40B4-BE49-F238E27FC236}">
+                <a16:creationId xmlns:a16="http://schemas.microsoft.com/office/drawing/2014/main" id="{88E35159-4C9C-F45E-B78E-75462DFF318B}"/>
+              </a:ext>
+            </a:extLst>
+          </p:cNvPr>
+          <p:cNvCxnSpPr/>
+          <p:nvPr/>
+        </p:nvCxnSpPr>
+        <p:spPr>
+          <a:xfrm>
+            <a:off x="748582" y="1086592"/>
+            <a:ext cx="10608354" cy="0"/>
+          </a:xfrm>
+          <a:prstGeom prst="line">
+            <a:avLst/>
+          </a:prstGeom>
+          <a:ln>
+            <a:solidFill>
+              <a:schemeClr val="tx1"/>
+            </a:solidFill>
+            <a:headEnd type="oval"/>
+          </a:ln>
+        </p:spPr>
+        <p:style>
+          <a:lnRef idx="1">
+            <a:schemeClr val="accent1"/>
+          </a:lnRef>
+          <a:fillRef idx="0">
+            <a:schemeClr val="accent1"/>
+          </a:fillRef>
+          <a:effectRef idx="0">
+            <a:schemeClr val="accent1"/>
+          </a:effectRef>
+          <a:fontRef idx="minor">
+            <a:schemeClr val="tx1"/>
+          </a:fontRef>
+        </p:style>
+      </p:cxnSp>
+      <p:grpSp>
+        <p:nvGrpSpPr>
+          <p:cNvPr id="20" name="그룹 19">
+            <a:extLst>
+              <a:ext uri="{FF2B5EF4-FFF2-40B4-BE49-F238E27FC236}">
+                <a16:creationId xmlns:a16="http://schemas.microsoft.com/office/drawing/2014/main" id="{F55D4B71-62AE-24BE-DD1F-B97DA4E8420A}"/>
+              </a:ext>
+            </a:extLst>
+          </p:cNvPr>
+          <p:cNvGrpSpPr/>
+          <p:nvPr/>
+        </p:nvGrpSpPr>
+        <p:grpSpPr>
+          <a:xfrm>
+            <a:off x="1181859" y="2475269"/>
+            <a:ext cx="9828282" cy="3088260"/>
+            <a:chOff x="765438" y="2464384"/>
+            <a:chExt cx="10663573" cy="3350727"/>
+          </a:xfrm>
+        </p:grpSpPr>
+        <p:sp>
+          <p:nvSpPr>
+            <p:cNvPr id="14" name="자유형 40">
+              <a:extLst>
+                <a:ext uri="{FF2B5EF4-FFF2-40B4-BE49-F238E27FC236}">
+                  <a16:creationId xmlns:a16="http://schemas.microsoft.com/office/drawing/2014/main" id="{14D5B04B-4A8B-17A6-67D0-8F367D2A6756}"/>
+                </a:ext>
+              </a:extLst>
+            </p:cNvPr>
+            <p:cNvSpPr/>
+            <p:nvPr/>
+          </p:nvSpPr>
+          <p:spPr>
+            <a:xfrm rot="3600000" flipH="1" flipV="1">
+              <a:off x="1709803" y="3343370"/>
+              <a:ext cx="3350722" cy="1592758"/>
+            </a:xfrm>
+            <a:custGeom>
+              <a:avLst/>
+              <a:gdLst>
+                <a:gd name="connsiteX0" fmla="*/ 2881236 w 3480686"/>
+                <a:gd name="connsiteY0" fmla="*/ 1044755 h 1654536"/>
+                <a:gd name="connsiteX1" fmla="*/ 2878874 w 3480686"/>
+                <a:gd name="connsiteY1" fmla="*/ 1041778 h 1654536"/>
+                <a:gd name="connsiteX2" fmla="*/ 2773260 w 3480686"/>
+                <a:gd name="connsiteY2" fmla="*/ 1224706 h 1654536"/>
+                <a:gd name="connsiteX3" fmla="*/ 2752904 w 3480686"/>
+                <a:gd name="connsiteY3" fmla="*/ 1249379 h 1654536"/>
+                <a:gd name="connsiteX4" fmla="*/ 2368165 w 3480686"/>
+                <a:gd name="connsiteY4" fmla="*/ 1408743 h 1654536"/>
+                <a:gd name="connsiteX5" fmla="*/ 1406183 w 3480686"/>
+                <a:gd name="connsiteY5" fmla="*/ 1408743 h 1654536"/>
+                <a:gd name="connsiteX6" fmla="*/ 1405426 w 3480686"/>
+                <a:gd name="connsiteY6" fmla="*/ 1410053 h 1654536"/>
+                <a:gd name="connsiteX7" fmla="*/ 491347 w 3480686"/>
+                <a:gd name="connsiteY7" fmla="*/ 1410052 h 1654536"/>
+                <a:gd name="connsiteX8" fmla="*/ 55947 w 3480686"/>
+                <a:gd name="connsiteY8" fmla="*/ 1590402 h 1654536"/>
+                <a:gd name="connsiteX9" fmla="*/ 3031 w 3480686"/>
+                <a:gd name="connsiteY9" fmla="*/ 1654536 h 1654536"/>
+                <a:gd name="connsiteX10" fmla="*/ 0 w 3480686"/>
+                <a:gd name="connsiteY10" fmla="*/ 1654536 h 1654536"/>
+                <a:gd name="connsiteX11" fmla="*/ 599450 w 3480686"/>
+                <a:gd name="connsiteY11" fmla="*/ 609781 h 1654536"/>
+                <a:gd name="connsiteX12" fmla="*/ 601812 w 3480686"/>
+                <a:gd name="connsiteY12" fmla="*/ 612758 h 1654536"/>
+                <a:gd name="connsiteX13" fmla="*/ 707426 w 3480686"/>
+                <a:gd name="connsiteY13" fmla="*/ 429830 h 1654536"/>
+                <a:gd name="connsiteX14" fmla="*/ 727782 w 3480686"/>
+                <a:gd name="connsiteY14" fmla="*/ 405157 h 1654536"/>
+                <a:gd name="connsiteX15" fmla="*/ 1112521 w 3480686"/>
+                <a:gd name="connsiteY15" fmla="*/ 245793 h 1654536"/>
+                <a:gd name="connsiteX16" fmla="*/ 2074503 w 3480686"/>
+                <a:gd name="connsiteY16" fmla="*/ 245793 h 1654536"/>
+                <a:gd name="connsiteX17" fmla="*/ 2075260 w 3480686"/>
+                <a:gd name="connsiteY17" fmla="*/ 244483 h 1654536"/>
+                <a:gd name="connsiteX18" fmla="*/ 2989339 w 3480686"/>
+                <a:gd name="connsiteY18" fmla="*/ 244484 h 1654536"/>
+                <a:gd name="connsiteX19" fmla="*/ 3424739 w 3480686"/>
+                <a:gd name="connsiteY19" fmla="*/ 64134 h 1654536"/>
+                <a:gd name="connsiteX20" fmla="*/ 3477655 w 3480686"/>
+                <a:gd name="connsiteY20" fmla="*/ 0 h 1654536"/>
+                <a:gd name="connsiteX21" fmla="*/ 3480686 w 3480686"/>
+                <a:gd name="connsiteY21" fmla="*/ 0 h 1654536"/>
+              </a:gdLst>
+              <a:ahLst/>
+              <a:cxnLst>
+                <a:cxn ang="0">
+                  <a:pos x="connsiteX0" y="connsiteY0"/>
+                </a:cxn>
+                <a:cxn ang="0">
+                  <a:pos x="connsiteX1" y="connsiteY1"/>
+                </a:cxn>
+                <a:cxn ang="0">
+                  <a:pos x="connsiteX2" y="connsiteY2"/>
+                </a:cxn>
+                <a:cxn ang="0">
+                  <a:pos x="connsiteX3" y="connsiteY3"/>
+                </a:cxn>
+                <a:cxn ang="0">
+                  <a:pos x="connsiteX4" y="connsiteY4"/>
+                </a:cxn>
+                <a:cxn ang="0">
+                  <a:pos x="connsiteX5" y="connsiteY5"/>
+                </a:cxn>
+                <a:cxn ang="0">
+                  <a:pos x="connsiteX6" y="connsiteY6"/>
+                </a:cxn>
+                <a:cxn ang="0">
+                  <a:pos x="connsiteX7" y="connsiteY7"/>
+                </a:cxn>
+                <a:cxn ang="0">
+                  <a:pos x="connsiteX8" y="connsiteY8"/>
+                </a:cxn>
+                <a:cxn ang="0">
+                  <a:pos x="connsiteX9" y="connsiteY9"/>
+                </a:cxn>
+                <a:cxn ang="0">
+                  <a:pos x="connsiteX10" y="connsiteY10"/>
+                </a:cxn>
+                <a:cxn ang="0">
+                  <a:pos x="connsiteX11" y="connsiteY11"/>
+                </a:cxn>
+                <a:cxn ang="0">
+                  <a:pos x="connsiteX12" y="connsiteY12"/>
+                </a:cxn>
+                <a:cxn ang="0">
+                  <a:pos x="connsiteX13" y="connsiteY13"/>
+                </a:cxn>
+                <a:cxn ang="0">
+                  <a:pos x="connsiteX14" y="connsiteY14"/>
+                </a:cxn>
+                <a:cxn ang="0">
+                  <a:pos x="connsiteX15" y="connsiteY15"/>
+                </a:cxn>
+                <a:cxn ang="0">
+                  <a:pos x="connsiteX16" y="connsiteY16"/>
+                </a:cxn>
+                <a:cxn ang="0">
+                  <a:pos x="connsiteX17" y="connsiteY17"/>
+                </a:cxn>
+                <a:cxn ang="0">
+                  <a:pos x="connsiteX18" y="connsiteY18"/>
+                </a:cxn>
+                <a:cxn ang="0">
+                  <a:pos x="connsiteX19" y="connsiteY19"/>
+                </a:cxn>
+                <a:cxn ang="0">
+                  <a:pos x="connsiteX20" y="connsiteY20"/>
+                </a:cxn>
+                <a:cxn ang="0">
+                  <a:pos x="connsiteX21" y="connsiteY21"/>
+                </a:cxn>
+              </a:cxnLst>
+              <a:rect l="l" t="t" r="r" b="b"/>
+              <a:pathLst>
+                <a:path w="3480686" h="1654536">
+                  <a:moveTo>
+                    <a:pt x="2881236" y="1044755"/>
+                  </a:moveTo>
+                  <a:lnTo>
+                    <a:pt x="2878874" y="1041778"/>
+                  </a:lnTo>
+                  <a:lnTo>
+                    <a:pt x="2773260" y="1224706"/>
+                  </a:lnTo>
+                  <a:lnTo>
+                    <a:pt x="2752904" y="1249379"/>
+                  </a:lnTo>
+                  <a:cubicBezTo>
+                    <a:pt x="2654441" y="1347842"/>
+                    <a:pt x="2518415" y="1408742"/>
+                    <a:pt x="2368165" y="1408743"/>
+                  </a:cubicBezTo>
+                  <a:lnTo>
+                    <a:pt x="1406183" y="1408743"/>
+                  </a:lnTo>
+                  <a:lnTo>
+                    <a:pt x="1405426" y="1410053"/>
+                  </a:lnTo>
+                  <a:lnTo>
+                    <a:pt x="491347" y="1410052"/>
+                  </a:lnTo>
+                  <a:cubicBezTo>
+                    <a:pt x="321313" y="1410052"/>
+                    <a:pt x="167377" y="1478973"/>
+                    <a:pt x="55947" y="1590402"/>
+                  </a:cubicBezTo>
+                  <a:lnTo>
+                    <a:pt x="3031" y="1654536"/>
+                  </a:lnTo>
+                  <a:lnTo>
+                    <a:pt x="0" y="1654536"/>
+                  </a:lnTo>
+                  <a:lnTo>
+                    <a:pt x="599450" y="609781"/>
+                  </a:lnTo>
+                  <a:lnTo>
+                    <a:pt x="601812" y="612758"/>
+                  </a:lnTo>
+                  <a:lnTo>
+                    <a:pt x="707426" y="429830"/>
+                  </a:lnTo>
+                  <a:lnTo>
+                    <a:pt x="727782" y="405157"/>
+                  </a:lnTo>
+                  <a:cubicBezTo>
+                    <a:pt x="826245" y="306694"/>
+                    <a:pt x="962271" y="245794"/>
+                    <a:pt x="1112521" y="245793"/>
+                  </a:cubicBezTo>
+                  <a:lnTo>
+                    <a:pt x="2074503" y="245793"/>
+                  </a:lnTo>
+                  <a:lnTo>
+                    <a:pt x="2075260" y="244483"/>
+                  </a:lnTo>
+                  <a:lnTo>
+                    <a:pt x="2989339" y="244484"/>
+                  </a:lnTo>
+                  <a:cubicBezTo>
+                    <a:pt x="3159373" y="244484"/>
+                    <a:pt x="3313309" y="175563"/>
+                    <a:pt x="3424739" y="64134"/>
+                  </a:cubicBezTo>
+                  <a:lnTo>
+                    <a:pt x="3477655" y="0"/>
+                  </a:lnTo>
+                  <a:lnTo>
+                    <a:pt x="3480686" y="0"/>
+                  </a:lnTo>
+                  <a:close/>
+                </a:path>
+              </a:pathLst>
+            </a:custGeom>
+            <a:solidFill>
+              <a:schemeClr val="bg1">
+                <a:lumMod val="95000"/>
+              </a:schemeClr>
+            </a:solidFill>
+            <a:ln>
+              <a:noFill/>
+            </a:ln>
+            <a:effectLst>
+              <a:innerShdw blurRad="698500">
+                <a:prstClr val="black"/>
+              </a:innerShdw>
+            </a:effectLst>
+          </p:spPr>
+          <p:style>
+            <a:lnRef idx="2">
+              <a:schemeClr val="accent1">
+                <a:shade val="50000"/>
+              </a:schemeClr>
+            </a:lnRef>
+            <a:fillRef idx="1">
+              <a:schemeClr val="accent1"/>
+            </a:fillRef>
+            <a:effectRef idx="0">
+              <a:schemeClr val="accent1"/>
+            </a:effectRef>
+            <a:fontRef idx="minor">
+              <a:schemeClr val="lt1"/>
+            </a:fontRef>
+          </p:style>
+          <p:txBody>
+            <a:bodyPr rtlCol="0" anchor="ctr"/>
+            <a:lstStyle/>
+            <a:p>
+              <a:pPr algn="ctr"/>
+              <a:endParaRPr lang="ko-KR" altLang="en-US">
+                <a:solidFill>
+                  <a:prstClr val="white"/>
+                </a:solidFill>
+              </a:endParaRPr>
+            </a:p>
+          </p:txBody>
+        </p:sp>
+        <p:sp>
+          <p:nvSpPr>
+            <p:cNvPr id="15" name="자유형 41">
+              <a:extLst>
+                <a:ext uri="{FF2B5EF4-FFF2-40B4-BE49-F238E27FC236}">
+                  <a16:creationId xmlns:a16="http://schemas.microsoft.com/office/drawing/2014/main" id="{8C8AFD7E-4A73-CB6C-3D1B-128418984374}"/>
+                </a:ext>
+              </a:extLst>
+            </p:cNvPr>
+            <p:cNvSpPr/>
+            <p:nvPr/>
+          </p:nvSpPr>
+          <p:spPr>
+            <a:xfrm rot="18000000" flipV="1">
+              <a:off x="-113545" y="3343371"/>
+              <a:ext cx="3350723" cy="1592758"/>
+            </a:xfrm>
+            <a:custGeom>
+              <a:avLst/>
+              <a:gdLst>
+                <a:gd name="connsiteX0" fmla="*/ 2881236 w 3480686"/>
+                <a:gd name="connsiteY0" fmla="*/ 1044755 h 1654536"/>
+                <a:gd name="connsiteX1" fmla="*/ 2878874 w 3480686"/>
+                <a:gd name="connsiteY1" fmla="*/ 1041778 h 1654536"/>
+                <a:gd name="connsiteX2" fmla="*/ 2773260 w 3480686"/>
+                <a:gd name="connsiteY2" fmla="*/ 1224706 h 1654536"/>
+                <a:gd name="connsiteX3" fmla="*/ 2752904 w 3480686"/>
+                <a:gd name="connsiteY3" fmla="*/ 1249379 h 1654536"/>
+                <a:gd name="connsiteX4" fmla="*/ 2368165 w 3480686"/>
+                <a:gd name="connsiteY4" fmla="*/ 1408743 h 1654536"/>
+                <a:gd name="connsiteX5" fmla="*/ 1406183 w 3480686"/>
+                <a:gd name="connsiteY5" fmla="*/ 1408743 h 1654536"/>
+                <a:gd name="connsiteX6" fmla="*/ 1405426 w 3480686"/>
+                <a:gd name="connsiteY6" fmla="*/ 1410053 h 1654536"/>
+                <a:gd name="connsiteX7" fmla="*/ 491347 w 3480686"/>
+                <a:gd name="connsiteY7" fmla="*/ 1410052 h 1654536"/>
+                <a:gd name="connsiteX8" fmla="*/ 55947 w 3480686"/>
+                <a:gd name="connsiteY8" fmla="*/ 1590402 h 1654536"/>
+                <a:gd name="connsiteX9" fmla="*/ 3031 w 3480686"/>
+                <a:gd name="connsiteY9" fmla="*/ 1654536 h 1654536"/>
+                <a:gd name="connsiteX10" fmla="*/ 0 w 3480686"/>
+                <a:gd name="connsiteY10" fmla="*/ 1654536 h 1654536"/>
+                <a:gd name="connsiteX11" fmla="*/ 599450 w 3480686"/>
+                <a:gd name="connsiteY11" fmla="*/ 609781 h 1654536"/>
+                <a:gd name="connsiteX12" fmla="*/ 601812 w 3480686"/>
+                <a:gd name="connsiteY12" fmla="*/ 612758 h 1654536"/>
+                <a:gd name="connsiteX13" fmla="*/ 707426 w 3480686"/>
+                <a:gd name="connsiteY13" fmla="*/ 429830 h 1654536"/>
+                <a:gd name="connsiteX14" fmla="*/ 727782 w 3480686"/>
+                <a:gd name="connsiteY14" fmla="*/ 405157 h 1654536"/>
+                <a:gd name="connsiteX15" fmla="*/ 1112521 w 3480686"/>
+                <a:gd name="connsiteY15" fmla="*/ 245793 h 1654536"/>
+                <a:gd name="connsiteX16" fmla="*/ 2074503 w 3480686"/>
+                <a:gd name="connsiteY16" fmla="*/ 245793 h 1654536"/>
+                <a:gd name="connsiteX17" fmla="*/ 2075260 w 3480686"/>
+                <a:gd name="connsiteY17" fmla="*/ 244483 h 1654536"/>
+                <a:gd name="connsiteX18" fmla="*/ 2989339 w 3480686"/>
+                <a:gd name="connsiteY18" fmla="*/ 244484 h 1654536"/>
+                <a:gd name="connsiteX19" fmla="*/ 3424739 w 3480686"/>
+                <a:gd name="connsiteY19" fmla="*/ 64134 h 1654536"/>
+                <a:gd name="connsiteX20" fmla="*/ 3477655 w 3480686"/>
+                <a:gd name="connsiteY20" fmla="*/ 0 h 1654536"/>
+                <a:gd name="connsiteX21" fmla="*/ 3480686 w 3480686"/>
+                <a:gd name="connsiteY21" fmla="*/ 0 h 1654536"/>
+              </a:gdLst>
+              <a:ahLst/>
+              <a:cxnLst>
+                <a:cxn ang="0">
+                  <a:pos x="connsiteX0" y="connsiteY0"/>
+                </a:cxn>
+                <a:cxn ang="0">
+                  <a:pos x="connsiteX1" y="connsiteY1"/>
+                </a:cxn>
+                <a:cxn ang="0">
+                  <a:pos x="connsiteX2" y="connsiteY2"/>
+                </a:cxn>
+                <a:cxn ang="0">
+                  <a:pos x="connsiteX3" y="connsiteY3"/>
+                </a:cxn>
+                <a:cxn ang="0">
+                  <a:pos x="connsiteX4" y="connsiteY4"/>
+                </a:cxn>
+                <a:cxn ang="0">
+                  <a:pos x="connsiteX5" y="connsiteY5"/>
+                </a:cxn>
+                <a:cxn ang="0">
+                  <a:pos x="connsiteX6" y="connsiteY6"/>
+                </a:cxn>
+                <a:cxn ang="0">
+                  <a:pos x="connsiteX7" y="connsiteY7"/>
+                </a:cxn>
+                <a:cxn ang="0">
+                  <a:pos x="connsiteX8" y="connsiteY8"/>
+                </a:cxn>
+                <a:cxn ang="0">
+                  <a:pos x="connsiteX9" y="connsiteY9"/>
+                </a:cxn>
+                <a:cxn ang="0">
+                  <a:pos x="connsiteX10" y="connsiteY10"/>
+                </a:cxn>
+                <a:cxn ang="0">
+                  <a:pos x="connsiteX11" y="connsiteY11"/>
+                </a:cxn>
+                <a:cxn ang="0">
+                  <a:pos x="connsiteX12" y="connsiteY12"/>
+                </a:cxn>
+                <a:cxn ang="0">
+                  <a:pos x="connsiteX13" y="connsiteY13"/>
+                </a:cxn>
+                <a:cxn ang="0">
+                  <a:pos x="connsiteX14" y="connsiteY14"/>
+                </a:cxn>
+                <a:cxn ang="0">
+                  <a:pos x="connsiteX15" y="connsiteY15"/>
+                </a:cxn>
+                <a:cxn ang="0">
+                  <a:pos x="connsiteX16" y="connsiteY16"/>
+                </a:cxn>
+                <a:cxn ang="0">
+                  <a:pos x="connsiteX17" y="connsiteY17"/>
+                </a:cxn>
+                <a:cxn ang="0">
+                  <a:pos x="connsiteX18" y="connsiteY18"/>
+                </a:cxn>
+                <a:cxn ang="0">
+                  <a:pos x="connsiteX19" y="connsiteY19"/>
+                </a:cxn>
+                <a:cxn ang="0">
+                  <a:pos x="connsiteX20" y="connsiteY20"/>
+                </a:cxn>
+                <a:cxn ang="0">
+                  <a:pos x="connsiteX21" y="connsiteY21"/>
+                </a:cxn>
+              </a:cxnLst>
+              <a:rect l="l" t="t" r="r" b="b"/>
+              <a:pathLst>
+                <a:path w="3480686" h="1654536">
+                  <a:moveTo>
+                    <a:pt x="2881236" y="1044755"/>
+                  </a:moveTo>
+                  <a:lnTo>
+                    <a:pt x="2878874" y="1041778"/>
+                  </a:lnTo>
+                  <a:lnTo>
+                    <a:pt x="2773260" y="1224706"/>
+                  </a:lnTo>
+                  <a:lnTo>
+                    <a:pt x="2752904" y="1249379"/>
+                  </a:lnTo>
+                  <a:cubicBezTo>
+                    <a:pt x="2654441" y="1347842"/>
+                    <a:pt x="2518415" y="1408742"/>
+                    <a:pt x="2368165" y="1408743"/>
+                  </a:cubicBezTo>
+                  <a:lnTo>
+                    <a:pt x="1406183" y="1408743"/>
+                  </a:lnTo>
+                  <a:lnTo>
+                    <a:pt x="1405426" y="1410053"/>
+                  </a:lnTo>
+                  <a:lnTo>
+                    <a:pt x="491347" y="1410052"/>
+                  </a:lnTo>
+                  <a:cubicBezTo>
+                    <a:pt x="321313" y="1410052"/>
+                    <a:pt x="167377" y="1478973"/>
+                    <a:pt x="55947" y="1590402"/>
+                  </a:cubicBezTo>
+                  <a:lnTo>
+                    <a:pt x="3031" y="1654536"/>
+                  </a:lnTo>
+                  <a:lnTo>
+                    <a:pt x="0" y="1654536"/>
+                  </a:lnTo>
+                  <a:lnTo>
+                    <a:pt x="599450" y="609781"/>
+                  </a:lnTo>
+                  <a:lnTo>
+                    <a:pt x="601812" y="612758"/>
+                  </a:lnTo>
+                  <a:lnTo>
+                    <a:pt x="707426" y="429830"/>
+                  </a:lnTo>
+                  <a:lnTo>
+                    <a:pt x="727782" y="405157"/>
+                  </a:lnTo>
+                  <a:cubicBezTo>
+                    <a:pt x="826245" y="306694"/>
+                    <a:pt x="962271" y="245794"/>
+                    <a:pt x="1112521" y="245793"/>
+                  </a:cubicBezTo>
+                  <a:lnTo>
+                    <a:pt x="2074503" y="245793"/>
+                  </a:lnTo>
+                  <a:lnTo>
+                    <a:pt x="2075260" y="244483"/>
+                  </a:lnTo>
+                  <a:lnTo>
+                    <a:pt x="2989339" y="244484"/>
+                  </a:lnTo>
+                  <a:cubicBezTo>
+                    <a:pt x="3159373" y="244484"/>
+                    <a:pt x="3313309" y="175563"/>
+                    <a:pt x="3424739" y="64134"/>
+                  </a:cubicBezTo>
+                  <a:lnTo>
+                    <a:pt x="3477655" y="0"/>
+                  </a:lnTo>
+                  <a:lnTo>
+                    <a:pt x="3480686" y="0"/>
+                  </a:lnTo>
+                  <a:close/>
+                </a:path>
+              </a:pathLst>
+            </a:custGeom>
+            <a:gradFill flip="none" rotWithShape="1">
+              <a:gsLst>
+                <a:gs pos="0">
+                  <a:schemeClr val="tx1">
+                    <a:lumMod val="75000"/>
+                    <a:lumOff val="25000"/>
+                    <a:shade val="30000"/>
+                    <a:satMod val="115000"/>
+                  </a:schemeClr>
+                </a:gs>
+                <a:gs pos="50000">
+                  <a:schemeClr val="tx1">
+                    <a:lumMod val="75000"/>
+                    <a:lumOff val="25000"/>
+                    <a:shade val="67500"/>
+                    <a:satMod val="115000"/>
+                  </a:schemeClr>
+                </a:gs>
+                <a:gs pos="100000">
+                  <a:schemeClr val="tx1">
+                    <a:lumMod val="75000"/>
+                    <a:lumOff val="25000"/>
+                    <a:shade val="100000"/>
+                    <a:satMod val="115000"/>
+                  </a:schemeClr>
+                </a:gs>
+              </a:gsLst>
+              <a:lin ang="13500000" scaled="1"/>
+              <a:tileRect/>
+            </a:gradFill>
+            <a:ln>
+              <a:noFill/>
+            </a:ln>
+          </p:spPr>
+          <p:style>
+            <a:lnRef idx="2">
+              <a:schemeClr val="accent1">
+                <a:shade val="50000"/>
+              </a:schemeClr>
+            </a:lnRef>
+            <a:fillRef idx="1">
+              <a:schemeClr val="accent1"/>
+            </a:fillRef>
+            <a:effectRef idx="0">
+              <a:schemeClr val="accent1"/>
+            </a:effectRef>
+            <a:fontRef idx="minor">
+              <a:schemeClr val="lt1"/>
+            </a:fontRef>
+          </p:style>
+          <p:txBody>
+            <a:bodyPr rtlCol="0" anchor="ctr"/>
+            <a:lstStyle/>
+            <a:p>
+              <a:pPr algn="ctr"/>
+              <a:endParaRPr lang="ko-KR" altLang="en-US">
+                <a:solidFill>
+                  <a:prstClr val="white"/>
+                </a:solidFill>
+              </a:endParaRPr>
+            </a:p>
+          </p:txBody>
+        </p:sp>
+        <p:sp>
+          <p:nvSpPr>
+            <p:cNvPr id="16" name="자유형 42">
+              <a:extLst>
+                <a:ext uri="{FF2B5EF4-FFF2-40B4-BE49-F238E27FC236}">
+                  <a16:creationId xmlns:a16="http://schemas.microsoft.com/office/drawing/2014/main" id="{5E3CD3DA-1C1D-A3CC-7460-E060A0A228D2}"/>
+                </a:ext>
+              </a:extLst>
+            </p:cNvPr>
+            <p:cNvSpPr/>
+            <p:nvPr/>
+          </p:nvSpPr>
+          <p:spPr>
+            <a:xfrm rot="3600000" flipH="1" flipV="1">
+              <a:off x="5333537" y="3343368"/>
+              <a:ext cx="3350722" cy="1592758"/>
+            </a:xfrm>
+            <a:custGeom>
+              <a:avLst/>
+              <a:gdLst>
+                <a:gd name="connsiteX0" fmla="*/ 2881236 w 3480686"/>
+                <a:gd name="connsiteY0" fmla="*/ 1044755 h 1654536"/>
+                <a:gd name="connsiteX1" fmla="*/ 2878874 w 3480686"/>
+                <a:gd name="connsiteY1" fmla="*/ 1041778 h 1654536"/>
+                <a:gd name="connsiteX2" fmla="*/ 2773260 w 3480686"/>
+                <a:gd name="connsiteY2" fmla="*/ 1224706 h 1654536"/>
+                <a:gd name="connsiteX3" fmla="*/ 2752904 w 3480686"/>
+                <a:gd name="connsiteY3" fmla="*/ 1249379 h 1654536"/>
+                <a:gd name="connsiteX4" fmla="*/ 2368165 w 3480686"/>
+                <a:gd name="connsiteY4" fmla="*/ 1408743 h 1654536"/>
+                <a:gd name="connsiteX5" fmla="*/ 1406183 w 3480686"/>
+                <a:gd name="connsiteY5" fmla="*/ 1408743 h 1654536"/>
+                <a:gd name="connsiteX6" fmla="*/ 1405426 w 3480686"/>
+                <a:gd name="connsiteY6" fmla="*/ 1410053 h 1654536"/>
+                <a:gd name="connsiteX7" fmla="*/ 491347 w 3480686"/>
+                <a:gd name="connsiteY7" fmla="*/ 1410052 h 1654536"/>
+                <a:gd name="connsiteX8" fmla="*/ 55947 w 3480686"/>
+                <a:gd name="connsiteY8" fmla="*/ 1590402 h 1654536"/>
+                <a:gd name="connsiteX9" fmla="*/ 3031 w 3480686"/>
+                <a:gd name="connsiteY9" fmla="*/ 1654536 h 1654536"/>
+                <a:gd name="connsiteX10" fmla="*/ 0 w 3480686"/>
+                <a:gd name="connsiteY10" fmla="*/ 1654536 h 1654536"/>
+                <a:gd name="connsiteX11" fmla="*/ 599450 w 3480686"/>
+                <a:gd name="connsiteY11" fmla="*/ 609781 h 1654536"/>
+                <a:gd name="connsiteX12" fmla="*/ 601812 w 3480686"/>
+                <a:gd name="connsiteY12" fmla="*/ 612758 h 1654536"/>
+                <a:gd name="connsiteX13" fmla="*/ 707426 w 3480686"/>
+                <a:gd name="connsiteY13" fmla="*/ 429830 h 1654536"/>
+                <a:gd name="connsiteX14" fmla="*/ 727782 w 3480686"/>
+                <a:gd name="connsiteY14" fmla="*/ 405157 h 1654536"/>
+                <a:gd name="connsiteX15" fmla="*/ 1112521 w 3480686"/>
+                <a:gd name="connsiteY15" fmla="*/ 245793 h 1654536"/>
+                <a:gd name="connsiteX16" fmla="*/ 2074503 w 3480686"/>
+                <a:gd name="connsiteY16" fmla="*/ 245793 h 1654536"/>
+                <a:gd name="connsiteX17" fmla="*/ 2075260 w 3480686"/>
+                <a:gd name="connsiteY17" fmla="*/ 244483 h 1654536"/>
+                <a:gd name="connsiteX18" fmla="*/ 2989339 w 3480686"/>
+                <a:gd name="connsiteY18" fmla="*/ 244484 h 1654536"/>
+                <a:gd name="connsiteX19" fmla="*/ 3424739 w 3480686"/>
+                <a:gd name="connsiteY19" fmla="*/ 64134 h 1654536"/>
+                <a:gd name="connsiteX20" fmla="*/ 3477655 w 3480686"/>
+                <a:gd name="connsiteY20" fmla="*/ 0 h 1654536"/>
+                <a:gd name="connsiteX21" fmla="*/ 3480686 w 3480686"/>
+                <a:gd name="connsiteY21" fmla="*/ 0 h 1654536"/>
+              </a:gdLst>
+              <a:ahLst/>
+              <a:cxnLst>
+                <a:cxn ang="0">
+                  <a:pos x="connsiteX0" y="connsiteY0"/>
+                </a:cxn>
+                <a:cxn ang="0">
+                  <a:pos x="connsiteX1" y="connsiteY1"/>
+                </a:cxn>
+                <a:cxn ang="0">
+                  <a:pos x="connsiteX2" y="connsiteY2"/>
+                </a:cxn>
+                <a:cxn ang="0">
+                  <a:pos x="connsiteX3" y="connsiteY3"/>
+                </a:cxn>
+                <a:cxn ang="0">
+                  <a:pos x="connsiteX4" y="connsiteY4"/>
+                </a:cxn>
+                <a:cxn ang="0">
+                  <a:pos x="connsiteX5" y="connsiteY5"/>
+                </a:cxn>
+                <a:cxn ang="0">
+                  <a:pos x="connsiteX6" y="connsiteY6"/>
+                </a:cxn>
+                <a:cxn ang="0">
+                  <a:pos x="connsiteX7" y="connsiteY7"/>
+                </a:cxn>
+                <a:cxn ang="0">
+                  <a:pos x="connsiteX8" y="connsiteY8"/>
+                </a:cxn>
+                <a:cxn ang="0">
+                  <a:pos x="connsiteX9" y="connsiteY9"/>
+                </a:cxn>
+                <a:cxn ang="0">
+                  <a:pos x="connsiteX10" y="connsiteY10"/>
+                </a:cxn>
+                <a:cxn ang="0">
+                  <a:pos x="connsiteX11" y="connsiteY11"/>
+                </a:cxn>
+                <a:cxn ang="0">
+                  <a:pos x="connsiteX12" y="connsiteY12"/>
+                </a:cxn>
+                <a:cxn ang="0">
+                  <a:pos x="connsiteX13" y="connsiteY13"/>
+                </a:cxn>
+                <a:cxn ang="0">
+                  <a:pos x="connsiteX14" y="connsiteY14"/>
+                </a:cxn>
+                <a:cxn ang="0">
+                  <a:pos x="connsiteX15" y="connsiteY15"/>
+                </a:cxn>
+                <a:cxn ang="0">
+                  <a:pos x="connsiteX16" y="connsiteY16"/>
+                </a:cxn>
+                <a:cxn ang="0">
+                  <a:pos x="connsiteX17" y="connsiteY17"/>
+                </a:cxn>
+                <a:cxn ang="0">
+                  <a:pos x="connsiteX18" y="connsiteY18"/>
+                </a:cxn>
+                <a:cxn ang="0">
+                  <a:pos x="connsiteX19" y="connsiteY19"/>
+                </a:cxn>
+                <a:cxn ang="0">
+                  <a:pos x="connsiteX20" y="connsiteY20"/>
+                </a:cxn>
+                <a:cxn ang="0">
+                  <a:pos x="connsiteX21" y="connsiteY21"/>
+                </a:cxn>
+              </a:cxnLst>
+              <a:rect l="l" t="t" r="r" b="b"/>
+              <a:pathLst>
+                <a:path w="3480686" h="1654536">
+                  <a:moveTo>
+                    <a:pt x="2881236" y="1044755"/>
+                  </a:moveTo>
+                  <a:lnTo>
+                    <a:pt x="2878874" y="1041778"/>
+                  </a:lnTo>
+                  <a:lnTo>
+                    <a:pt x="2773260" y="1224706"/>
+                  </a:lnTo>
+                  <a:lnTo>
+                    <a:pt x="2752904" y="1249379"/>
+                  </a:lnTo>
+                  <a:cubicBezTo>
+                    <a:pt x="2654441" y="1347842"/>
+                    <a:pt x="2518415" y="1408742"/>
+                    <a:pt x="2368165" y="1408743"/>
+                  </a:cubicBezTo>
+                  <a:lnTo>
+                    <a:pt x="1406183" y="1408743"/>
+                  </a:lnTo>
+                  <a:lnTo>
+                    <a:pt x="1405426" y="1410053"/>
+                  </a:lnTo>
+                  <a:lnTo>
+                    <a:pt x="491347" y="1410052"/>
+                  </a:lnTo>
+                  <a:cubicBezTo>
+                    <a:pt x="321313" y="1410052"/>
+                    <a:pt x="167377" y="1478973"/>
+                    <a:pt x="55947" y="1590402"/>
+                  </a:cubicBezTo>
+                  <a:lnTo>
+                    <a:pt x="3031" y="1654536"/>
+                  </a:lnTo>
+                  <a:lnTo>
+                    <a:pt x="0" y="1654536"/>
+                  </a:lnTo>
+                  <a:lnTo>
+                    <a:pt x="599450" y="609781"/>
+                  </a:lnTo>
+                  <a:lnTo>
+                    <a:pt x="601812" y="612758"/>
+                  </a:lnTo>
+                  <a:lnTo>
+                    <a:pt x="707426" y="429830"/>
+                  </a:lnTo>
+                  <a:lnTo>
+                    <a:pt x="727782" y="405157"/>
+                  </a:lnTo>
+                  <a:cubicBezTo>
+                    <a:pt x="826245" y="306694"/>
+                    <a:pt x="962271" y="245794"/>
+                    <a:pt x="1112521" y="245793"/>
+                  </a:cubicBezTo>
+                  <a:lnTo>
+                    <a:pt x="2074503" y="245793"/>
+                  </a:lnTo>
+                  <a:lnTo>
+                    <a:pt x="2075260" y="244483"/>
+                  </a:lnTo>
+                  <a:lnTo>
+                    <a:pt x="2989339" y="244484"/>
+                  </a:lnTo>
+                  <a:cubicBezTo>
+                    <a:pt x="3159373" y="244484"/>
+                    <a:pt x="3313309" y="175563"/>
+                    <a:pt x="3424739" y="64134"/>
+                  </a:cubicBezTo>
+                  <a:lnTo>
+                    <a:pt x="3477655" y="0"/>
+                  </a:lnTo>
+                  <a:lnTo>
+                    <a:pt x="3480686" y="0"/>
+                  </a:lnTo>
+                  <a:close/>
+                </a:path>
+              </a:pathLst>
+            </a:custGeom>
+            <a:solidFill>
+              <a:schemeClr val="bg1">
+                <a:lumMod val="95000"/>
+              </a:schemeClr>
+            </a:solidFill>
+            <a:ln>
+              <a:noFill/>
+            </a:ln>
+            <a:effectLst>
+              <a:innerShdw blurRad="698500">
+                <a:prstClr val="black"/>
+              </a:innerShdw>
+            </a:effectLst>
+          </p:spPr>
+          <p:style>
+            <a:lnRef idx="2">
+              <a:schemeClr val="accent1">
+                <a:shade val="50000"/>
+              </a:schemeClr>
+            </a:lnRef>
+            <a:fillRef idx="1">
+              <a:schemeClr val="accent1"/>
+            </a:fillRef>
+            <a:effectRef idx="0">
+              <a:schemeClr val="accent1"/>
+            </a:effectRef>
+            <a:fontRef idx="minor">
+              <a:schemeClr val="lt1"/>
+            </a:fontRef>
+          </p:style>
+          <p:txBody>
+            <a:bodyPr rtlCol="0" anchor="ctr"/>
+            <a:lstStyle/>
+            <a:p>
+              <a:pPr algn="ctr"/>
+              <a:endParaRPr lang="ko-KR" altLang="en-US">
+                <a:solidFill>
+                  <a:prstClr val="white"/>
+                </a:solidFill>
+              </a:endParaRPr>
+            </a:p>
+          </p:txBody>
+        </p:sp>
+        <p:sp>
+          <p:nvSpPr>
+            <p:cNvPr id="17" name="자유형 43">
+              <a:extLst>
+                <a:ext uri="{FF2B5EF4-FFF2-40B4-BE49-F238E27FC236}">
+                  <a16:creationId xmlns:a16="http://schemas.microsoft.com/office/drawing/2014/main" id="{A1D59A2A-1FAB-3A20-3CBD-E38873C39A4C}"/>
+                </a:ext>
+              </a:extLst>
+            </p:cNvPr>
+            <p:cNvSpPr/>
+            <p:nvPr/>
+          </p:nvSpPr>
+          <p:spPr>
+            <a:xfrm rot="18000000" flipV="1">
+              <a:off x="3510189" y="3343369"/>
+              <a:ext cx="3350723" cy="1592758"/>
+            </a:xfrm>
+            <a:custGeom>
+              <a:avLst/>
+              <a:gdLst>
+                <a:gd name="connsiteX0" fmla="*/ 2881236 w 3480686"/>
+                <a:gd name="connsiteY0" fmla="*/ 1044755 h 1654536"/>
+                <a:gd name="connsiteX1" fmla="*/ 2878874 w 3480686"/>
+                <a:gd name="connsiteY1" fmla="*/ 1041778 h 1654536"/>
+                <a:gd name="connsiteX2" fmla="*/ 2773260 w 3480686"/>
+                <a:gd name="connsiteY2" fmla="*/ 1224706 h 1654536"/>
+                <a:gd name="connsiteX3" fmla="*/ 2752904 w 3480686"/>
+                <a:gd name="connsiteY3" fmla="*/ 1249379 h 1654536"/>
+                <a:gd name="connsiteX4" fmla="*/ 2368165 w 3480686"/>
+                <a:gd name="connsiteY4" fmla="*/ 1408743 h 1654536"/>
+                <a:gd name="connsiteX5" fmla="*/ 1406183 w 3480686"/>
+                <a:gd name="connsiteY5" fmla="*/ 1408743 h 1654536"/>
+                <a:gd name="connsiteX6" fmla="*/ 1405426 w 3480686"/>
+                <a:gd name="connsiteY6" fmla="*/ 1410053 h 1654536"/>
+                <a:gd name="connsiteX7" fmla="*/ 491347 w 3480686"/>
+                <a:gd name="connsiteY7" fmla="*/ 1410052 h 1654536"/>
+                <a:gd name="connsiteX8" fmla="*/ 55947 w 3480686"/>
+                <a:gd name="connsiteY8" fmla="*/ 1590402 h 1654536"/>
+                <a:gd name="connsiteX9" fmla="*/ 3031 w 3480686"/>
+                <a:gd name="connsiteY9" fmla="*/ 1654536 h 1654536"/>
+                <a:gd name="connsiteX10" fmla="*/ 0 w 3480686"/>
+                <a:gd name="connsiteY10" fmla="*/ 1654536 h 1654536"/>
+                <a:gd name="connsiteX11" fmla="*/ 599450 w 3480686"/>
+                <a:gd name="connsiteY11" fmla="*/ 609781 h 1654536"/>
+                <a:gd name="connsiteX12" fmla="*/ 601812 w 3480686"/>
+                <a:gd name="connsiteY12" fmla="*/ 612758 h 1654536"/>
+                <a:gd name="connsiteX13" fmla="*/ 707426 w 3480686"/>
+                <a:gd name="connsiteY13" fmla="*/ 429830 h 1654536"/>
+                <a:gd name="connsiteX14" fmla="*/ 727782 w 3480686"/>
+                <a:gd name="connsiteY14" fmla="*/ 405157 h 1654536"/>
+                <a:gd name="connsiteX15" fmla="*/ 1112521 w 3480686"/>
+                <a:gd name="connsiteY15" fmla="*/ 245793 h 1654536"/>
+                <a:gd name="connsiteX16" fmla="*/ 2074503 w 3480686"/>
+                <a:gd name="connsiteY16" fmla="*/ 245793 h 1654536"/>
+                <a:gd name="connsiteX17" fmla="*/ 2075260 w 3480686"/>
+                <a:gd name="connsiteY17" fmla="*/ 244483 h 1654536"/>
+                <a:gd name="connsiteX18" fmla="*/ 2989339 w 3480686"/>
+                <a:gd name="connsiteY18" fmla="*/ 244484 h 1654536"/>
+                <a:gd name="connsiteX19" fmla="*/ 3424739 w 3480686"/>
+                <a:gd name="connsiteY19" fmla="*/ 64134 h 1654536"/>
+                <a:gd name="connsiteX20" fmla="*/ 3477655 w 3480686"/>
+                <a:gd name="connsiteY20" fmla="*/ 0 h 1654536"/>
+                <a:gd name="connsiteX21" fmla="*/ 3480686 w 3480686"/>
+                <a:gd name="connsiteY21" fmla="*/ 0 h 1654536"/>
+              </a:gdLst>
+              <a:ahLst/>
+              <a:cxnLst>
+                <a:cxn ang="0">
+                  <a:pos x="connsiteX0" y="connsiteY0"/>
+                </a:cxn>
+                <a:cxn ang="0">
+                  <a:pos x="connsiteX1" y="connsiteY1"/>
+                </a:cxn>
+                <a:cxn ang="0">
+                  <a:pos x="connsiteX2" y="connsiteY2"/>
+                </a:cxn>
+                <a:cxn ang="0">
+                  <a:pos x="connsiteX3" y="connsiteY3"/>
+                </a:cxn>
+                <a:cxn ang="0">
+                  <a:pos x="connsiteX4" y="connsiteY4"/>
+                </a:cxn>
+                <a:cxn ang="0">
+                  <a:pos x="connsiteX5" y="connsiteY5"/>
+                </a:cxn>
+                <a:cxn ang="0">
+                  <a:pos x="connsiteX6" y="connsiteY6"/>
+                </a:cxn>
+                <a:cxn ang="0">
+                  <a:pos x="connsiteX7" y="connsiteY7"/>
+                </a:cxn>
+                <a:cxn ang="0">
+                  <a:pos x="connsiteX8" y="connsiteY8"/>
+                </a:cxn>
+                <a:cxn ang="0">
+                  <a:pos x="connsiteX9" y="connsiteY9"/>
+                </a:cxn>
+                <a:cxn ang="0">
+                  <a:pos x="connsiteX10" y="connsiteY10"/>
+                </a:cxn>
+                <a:cxn ang="0">
+                  <a:pos x="connsiteX11" y="connsiteY11"/>
+                </a:cxn>
+                <a:cxn ang="0">
+                  <a:pos x="connsiteX12" y="connsiteY12"/>
+                </a:cxn>
+                <a:cxn ang="0">
+                  <a:pos x="connsiteX13" y="connsiteY13"/>
+                </a:cxn>
+                <a:cxn ang="0">
+                  <a:pos x="connsiteX14" y="connsiteY14"/>
+                </a:cxn>
+                <a:cxn ang="0">
+                  <a:pos x="connsiteX15" y="connsiteY15"/>
+                </a:cxn>
+                <a:cxn ang="0">
+                  <a:pos x="connsiteX16" y="connsiteY16"/>
+                </a:cxn>
+                <a:cxn ang="0">
+                  <a:pos x="connsiteX17" y="connsiteY17"/>
+                </a:cxn>
+                <a:cxn ang="0">
+                  <a:pos x="connsiteX18" y="connsiteY18"/>
+                </a:cxn>
+                <a:cxn ang="0">
+                  <a:pos x="connsiteX19" y="connsiteY19"/>
+                </a:cxn>
+                <a:cxn ang="0">
+                  <a:pos x="connsiteX20" y="connsiteY20"/>
+                </a:cxn>
+                <a:cxn ang="0">
+                  <a:pos x="connsiteX21" y="connsiteY21"/>
+                </a:cxn>
+              </a:cxnLst>
+              <a:rect l="l" t="t" r="r" b="b"/>
+              <a:pathLst>
+                <a:path w="3480686" h="1654536">
+                  <a:moveTo>
+                    <a:pt x="2881236" y="1044755"/>
+                  </a:moveTo>
+                  <a:lnTo>
+                    <a:pt x="2878874" y="1041778"/>
+                  </a:lnTo>
+                  <a:lnTo>
+                    <a:pt x="2773260" y="1224706"/>
+                  </a:lnTo>
+                  <a:lnTo>
+                    <a:pt x="2752904" y="1249379"/>
+                  </a:lnTo>
+                  <a:cubicBezTo>
+                    <a:pt x="2654441" y="1347842"/>
+                    <a:pt x="2518415" y="1408742"/>
+                    <a:pt x="2368165" y="1408743"/>
+                  </a:cubicBezTo>
+                  <a:lnTo>
+                    <a:pt x="1406183" y="1408743"/>
+                  </a:lnTo>
+                  <a:lnTo>
+                    <a:pt x="1405426" y="1410053"/>
+                  </a:lnTo>
+                  <a:lnTo>
+                    <a:pt x="491347" y="1410052"/>
+                  </a:lnTo>
+                  <a:cubicBezTo>
+                    <a:pt x="321313" y="1410052"/>
+                    <a:pt x="167377" y="1478973"/>
+                    <a:pt x="55947" y="1590402"/>
+                  </a:cubicBezTo>
+                  <a:lnTo>
+                    <a:pt x="3031" y="1654536"/>
+                  </a:lnTo>
+                  <a:lnTo>
+                    <a:pt x="0" y="1654536"/>
+                  </a:lnTo>
+                  <a:lnTo>
+                    <a:pt x="599450" y="609781"/>
+                  </a:lnTo>
+                  <a:lnTo>
+                    <a:pt x="601812" y="612758"/>
+                  </a:lnTo>
+                  <a:lnTo>
+                    <a:pt x="707426" y="429830"/>
+                  </a:lnTo>
+                  <a:lnTo>
+                    <a:pt x="727782" y="405157"/>
+                  </a:lnTo>
+                  <a:cubicBezTo>
+                    <a:pt x="826245" y="306694"/>
+                    <a:pt x="962271" y="245794"/>
+                    <a:pt x="1112521" y="245793"/>
+                  </a:cubicBezTo>
+                  <a:lnTo>
+                    <a:pt x="2074503" y="245793"/>
+                  </a:lnTo>
+                  <a:lnTo>
+                    <a:pt x="2075260" y="244483"/>
+                  </a:lnTo>
+                  <a:lnTo>
+                    <a:pt x="2989339" y="244484"/>
+                  </a:lnTo>
+                  <a:cubicBezTo>
+                    <a:pt x="3159373" y="244484"/>
+                    <a:pt x="3313309" y="175563"/>
+                    <a:pt x="3424739" y="64134"/>
+                  </a:cubicBezTo>
+                  <a:lnTo>
+                    <a:pt x="3477655" y="0"/>
+                  </a:lnTo>
+                  <a:lnTo>
+                    <a:pt x="3480686" y="0"/>
+                  </a:lnTo>
+                  <a:close/>
+                </a:path>
+              </a:pathLst>
+            </a:custGeom>
+            <a:gradFill flip="none" rotWithShape="1">
+              <a:gsLst>
+                <a:gs pos="0">
+                  <a:schemeClr val="tx1">
+                    <a:lumMod val="75000"/>
+                    <a:lumOff val="25000"/>
+                    <a:shade val="30000"/>
+                    <a:satMod val="115000"/>
+                  </a:schemeClr>
+                </a:gs>
+                <a:gs pos="50000">
+                  <a:schemeClr val="tx1">
+                    <a:lumMod val="75000"/>
+                    <a:lumOff val="25000"/>
+                    <a:shade val="67500"/>
+                    <a:satMod val="115000"/>
+                  </a:schemeClr>
+                </a:gs>
+                <a:gs pos="100000">
+                  <a:schemeClr val="tx1">
+                    <a:lumMod val="75000"/>
+                    <a:lumOff val="25000"/>
+                    <a:shade val="100000"/>
+                    <a:satMod val="115000"/>
+                  </a:schemeClr>
+                </a:gs>
+              </a:gsLst>
+              <a:lin ang="13500000" scaled="1"/>
+              <a:tileRect/>
+            </a:gradFill>
+            <a:ln>
+              <a:noFill/>
+            </a:ln>
+          </p:spPr>
+          <p:style>
+            <a:lnRef idx="2">
+              <a:schemeClr val="accent1">
+                <a:shade val="50000"/>
+              </a:schemeClr>
+            </a:lnRef>
+            <a:fillRef idx="1">
+              <a:schemeClr val="accent1"/>
+            </a:fillRef>
+            <a:effectRef idx="0">
+              <a:schemeClr val="accent1"/>
+            </a:effectRef>
+            <a:fontRef idx="minor">
+              <a:schemeClr val="lt1"/>
+            </a:fontRef>
+          </p:style>
+          <p:txBody>
+            <a:bodyPr rtlCol="0" anchor="ctr"/>
+            <a:lstStyle/>
+            <a:p>
+              <a:pPr algn="ctr"/>
+              <a:endParaRPr lang="ko-KR" altLang="en-US">
+                <a:solidFill>
+                  <a:prstClr val="white"/>
+                </a:solidFill>
+              </a:endParaRPr>
+            </a:p>
+          </p:txBody>
+        </p:sp>
+        <p:sp>
+          <p:nvSpPr>
+            <p:cNvPr id="18" name="자유형 44">
+              <a:extLst>
+                <a:ext uri="{FF2B5EF4-FFF2-40B4-BE49-F238E27FC236}">
+                  <a16:creationId xmlns:a16="http://schemas.microsoft.com/office/drawing/2014/main" id="{9B543507-3C55-ADC8-9611-4759122A5A6B}"/>
+                </a:ext>
+              </a:extLst>
+            </p:cNvPr>
+            <p:cNvSpPr/>
+            <p:nvPr/>
+          </p:nvSpPr>
+          <p:spPr>
+            <a:xfrm rot="3600000" flipH="1" flipV="1">
+              <a:off x="8957271" y="3343366"/>
+              <a:ext cx="3350722" cy="1592758"/>
+            </a:xfrm>
+            <a:custGeom>
+              <a:avLst/>
+              <a:gdLst>
+                <a:gd name="connsiteX0" fmla="*/ 2881236 w 3480686"/>
+                <a:gd name="connsiteY0" fmla="*/ 1044755 h 1654536"/>
+                <a:gd name="connsiteX1" fmla="*/ 2878874 w 3480686"/>
+                <a:gd name="connsiteY1" fmla="*/ 1041778 h 1654536"/>
+                <a:gd name="connsiteX2" fmla="*/ 2773260 w 3480686"/>
+                <a:gd name="connsiteY2" fmla="*/ 1224706 h 1654536"/>
+                <a:gd name="connsiteX3" fmla="*/ 2752904 w 3480686"/>
+                <a:gd name="connsiteY3" fmla="*/ 1249379 h 1654536"/>
+                <a:gd name="connsiteX4" fmla="*/ 2368165 w 3480686"/>
+                <a:gd name="connsiteY4" fmla="*/ 1408743 h 1654536"/>
+                <a:gd name="connsiteX5" fmla="*/ 1406183 w 3480686"/>
+                <a:gd name="connsiteY5" fmla="*/ 1408743 h 1654536"/>
+                <a:gd name="connsiteX6" fmla="*/ 1405426 w 3480686"/>
+                <a:gd name="connsiteY6" fmla="*/ 1410053 h 1654536"/>
+                <a:gd name="connsiteX7" fmla="*/ 491347 w 3480686"/>
+                <a:gd name="connsiteY7" fmla="*/ 1410052 h 1654536"/>
+                <a:gd name="connsiteX8" fmla="*/ 55947 w 3480686"/>
+                <a:gd name="connsiteY8" fmla="*/ 1590402 h 1654536"/>
+                <a:gd name="connsiteX9" fmla="*/ 3031 w 3480686"/>
+                <a:gd name="connsiteY9" fmla="*/ 1654536 h 1654536"/>
+                <a:gd name="connsiteX10" fmla="*/ 0 w 3480686"/>
+                <a:gd name="connsiteY10" fmla="*/ 1654536 h 1654536"/>
+                <a:gd name="connsiteX11" fmla="*/ 599450 w 3480686"/>
+                <a:gd name="connsiteY11" fmla="*/ 609781 h 1654536"/>
+                <a:gd name="connsiteX12" fmla="*/ 601812 w 3480686"/>
+                <a:gd name="connsiteY12" fmla="*/ 612758 h 1654536"/>
+                <a:gd name="connsiteX13" fmla="*/ 707426 w 3480686"/>
+                <a:gd name="connsiteY13" fmla="*/ 429830 h 1654536"/>
+                <a:gd name="connsiteX14" fmla="*/ 727782 w 3480686"/>
+                <a:gd name="connsiteY14" fmla="*/ 405157 h 1654536"/>
+                <a:gd name="connsiteX15" fmla="*/ 1112521 w 3480686"/>
+                <a:gd name="connsiteY15" fmla="*/ 245793 h 1654536"/>
+                <a:gd name="connsiteX16" fmla="*/ 2074503 w 3480686"/>
+                <a:gd name="connsiteY16" fmla="*/ 245793 h 1654536"/>
+                <a:gd name="connsiteX17" fmla="*/ 2075260 w 3480686"/>
+                <a:gd name="connsiteY17" fmla="*/ 244483 h 1654536"/>
+                <a:gd name="connsiteX18" fmla="*/ 2989339 w 3480686"/>
+                <a:gd name="connsiteY18" fmla="*/ 244484 h 1654536"/>
+                <a:gd name="connsiteX19" fmla="*/ 3424739 w 3480686"/>
+                <a:gd name="connsiteY19" fmla="*/ 64134 h 1654536"/>
+                <a:gd name="connsiteX20" fmla="*/ 3477655 w 3480686"/>
+                <a:gd name="connsiteY20" fmla="*/ 0 h 1654536"/>
+                <a:gd name="connsiteX21" fmla="*/ 3480686 w 3480686"/>
+                <a:gd name="connsiteY21" fmla="*/ 0 h 1654536"/>
+              </a:gdLst>
+              <a:ahLst/>
+              <a:cxnLst>
+                <a:cxn ang="0">
+                  <a:pos x="connsiteX0" y="connsiteY0"/>
+                </a:cxn>
+                <a:cxn ang="0">
+                  <a:pos x="connsiteX1" y="connsiteY1"/>
+                </a:cxn>
+                <a:cxn ang="0">
+                  <a:pos x="connsiteX2" y="connsiteY2"/>
+                </a:cxn>
+                <a:cxn ang="0">
+                  <a:pos x="connsiteX3" y="connsiteY3"/>
+                </a:cxn>
+                <a:cxn ang="0">
+                  <a:pos x="connsiteX4" y="connsiteY4"/>
+                </a:cxn>
+                <a:cxn ang="0">
+                  <a:pos x="connsiteX5" y="connsiteY5"/>
+                </a:cxn>
+                <a:cxn ang="0">
+                  <a:pos x="connsiteX6" y="connsiteY6"/>
+                </a:cxn>
+                <a:cxn ang="0">
+                  <a:pos x="connsiteX7" y="connsiteY7"/>
+                </a:cxn>
+                <a:cxn ang="0">
+                  <a:pos x="connsiteX8" y="connsiteY8"/>
+                </a:cxn>
+                <a:cxn ang="0">
+                  <a:pos x="connsiteX9" y="connsiteY9"/>
+                </a:cxn>
+                <a:cxn ang="0">
+                  <a:pos x="connsiteX10" y="connsiteY10"/>
+                </a:cxn>
+                <a:cxn ang="0">
+                  <a:pos x="connsiteX11" y="connsiteY11"/>
+                </a:cxn>
+                <a:cxn ang="0">
+                  <a:pos x="connsiteX12" y="connsiteY12"/>
+                </a:cxn>
+                <a:cxn ang="0">
+                  <a:pos x="connsiteX13" y="connsiteY13"/>
+                </a:cxn>
+                <a:cxn ang="0">
+                  <a:pos x="connsiteX14" y="connsiteY14"/>
+                </a:cxn>
+                <a:cxn ang="0">
+                  <a:pos x="connsiteX15" y="connsiteY15"/>
+                </a:cxn>
+                <a:cxn ang="0">
+                  <a:pos x="connsiteX16" y="connsiteY16"/>
+                </a:cxn>
+                <a:cxn ang="0">
+                  <a:pos x="connsiteX17" y="connsiteY17"/>
+                </a:cxn>
+                <a:cxn ang="0">
+                  <a:pos x="connsiteX18" y="connsiteY18"/>
+                </a:cxn>
+                <a:cxn ang="0">
+                  <a:pos x="connsiteX19" y="connsiteY19"/>
+                </a:cxn>
+                <a:cxn ang="0">
+                  <a:pos x="connsiteX20" y="connsiteY20"/>
+                </a:cxn>
+                <a:cxn ang="0">
+                  <a:pos x="connsiteX21" y="connsiteY21"/>
+                </a:cxn>
+              </a:cxnLst>
+              <a:rect l="l" t="t" r="r" b="b"/>
+              <a:pathLst>
+                <a:path w="3480686" h="1654536">
+                  <a:moveTo>
+                    <a:pt x="2881236" y="1044755"/>
+                  </a:moveTo>
+                  <a:lnTo>
+                    <a:pt x="2878874" y="1041778"/>
+                  </a:lnTo>
+                  <a:lnTo>
+                    <a:pt x="2773260" y="1224706"/>
+                  </a:lnTo>
+                  <a:lnTo>
+                    <a:pt x="2752904" y="1249379"/>
+                  </a:lnTo>
+                  <a:cubicBezTo>
+                    <a:pt x="2654441" y="1347842"/>
+                    <a:pt x="2518415" y="1408742"/>
+                    <a:pt x="2368165" y="1408743"/>
+                  </a:cubicBezTo>
+                  <a:lnTo>
+                    <a:pt x="1406183" y="1408743"/>
+                  </a:lnTo>
+                  <a:lnTo>
+                    <a:pt x="1405426" y="1410053"/>
+                  </a:lnTo>
+                  <a:lnTo>
+                    <a:pt x="491347" y="1410052"/>
+                  </a:lnTo>
+                  <a:cubicBezTo>
+                    <a:pt x="321313" y="1410052"/>
+                    <a:pt x="167377" y="1478973"/>
+                    <a:pt x="55947" y="1590402"/>
+                  </a:cubicBezTo>
+                  <a:lnTo>
+                    <a:pt x="3031" y="1654536"/>
+                  </a:lnTo>
+                  <a:lnTo>
+                    <a:pt x="0" y="1654536"/>
+                  </a:lnTo>
+                  <a:lnTo>
+                    <a:pt x="599450" y="609781"/>
+                  </a:lnTo>
+                  <a:lnTo>
+                    <a:pt x="601812" y="612758"/>
+                  </a:lnTo>
+                  <a:lnTo>
+                    <a:pt x="707426" y="429830"/>
+                  </a:lnTo>
+                  <a:lnTo>
+                    <a:pt x="727782" y="405157"/>
+                  </a:lnTo>
+                  <a:cubicBezTo>
+                    <a:pt x="826245" y="306694"/>
+                    <a:pt x="962271" y="245794"/>
+                    <a:pt x="1112521" y="245793"/>
+                  </a:cubicBezTo>
+                  <a:lnTo>
+                    <a:pt x="2074503" y="245793"/>
+                  </a:lnTo>
+                  <a:lnTo>
+                    <a:pt x="2075260" y="244483"/>
+                  </a:lnTo>
+                  <a:lnTo>
+                    <a:pt x="2989339" y="244484"/>
+                  </a:lnTo>
+                  <a:cubicBezTo>
+                    <a:pt x="3159373" y="244484"/>
+                    <a:pt x="3313309" y="175563"/>
+                    <a:pt x="3424739" y="64134"/>
+                  </a:cubicBezTo>
+                  <a:lnTo>
+                    <a:pt x="3477655" y="0"/>
+                  </a:lnTo>
+                  <a:lnTo>
+                    <a:pt x="3480686" y="0"/>
+                  </a:lnTo>
+                  <a:close/>
+                </a:path>
+              </a:pathLst>
+            </a:custGeom>
+            <a:solidFill>
+              <a:schemeClr val="bg1">
+                <a:lumMod val="95000"/>
+              </a:schemeClr>
+            </a:solidFill>
+            <a:ln>
+              <a:noFill/>
+            </a:ln>
+            <a:effectLst>
+              <a:innerShdw blurRad="698500">
+                <a:prstClr val="black"/>
+              </a:innerShdw>
+            </a:effectLst>
+          </p:spPr>
+          <p:style>
+            <a:lnRef idx="2">
+              <a:schemeClr val="accent1">
+                <a:shade val="50000"/>
+              </a:schemeClr>
+            </a:lnRef>
+            <a:fillRef idx="1">
+              <a:schemeClr val="accent1"/>
+            </a:fillRef>
+            <a:effectRef idx="0">
+              <a:schemeClr val="accent1"/>
+            </a:effectRef>
+            <a:fontRef idx="minor">
+              <a:schemeClr val="lt1"/>
+            </a:fontRef>
+          </p:style>
+          <p:txBody>
+            <a:bodyPr rtlCol="0" anchor="ctr"/>
+            <a:lstStyle/>
+            <a:p>
+              <a:pPr algn="ctr"/>
+              <a:endParaRPr lang="ko-KR" altLang="en-US">
+                <a:solidFill>
+                  <a:prstClr val="white"/>
+                </a:solidFill>
+              </a:endParaRPr>
+            </a:p>
+          </p:txBody>
+        </p:sp>
+        <p:sp>
+          <p:nvSpPr>
+            <p:cNvPr id="19" name="자유형 45">
+              <a:extLst>
+                <a:ext uri="{FF2B5EF4-FFF2-40B4-BE49-F238E27FC236}">
+                  <a16:creationId xmlns:a16="http://schemas.microsoft.com/office/drawing/2014/main" id="{144AB17C-C24B-DC9B-DC5F-AD62F69F6DD6}"/>
+                </a:ext>
+              </a:extLst>
+            </p:cNvPr>
+            <p:cNvSpPr/>
+            <p:nvPr/>
+          </p:nvSpPr>
+          <p:spPr>
+            <a:xfrm rot="18000000" flipV="1">
+              <a:off x="7133923" y="3343367"/>
+              <a:ext cx="3350723" cy="1592758"/>
+            </a:xfrm>
+            <a:custGeom>
+              <a:avLst/>
+              <a:gdLst>
+                <a:gd name="connsiteX0" fmla="*/ 2881236 w 3480686"/>
+                <a:gd name="connsiteY0" fmla="*/ 1044755 h 1654536"/>
+                <a:gd name="connsiteX1" fmla="*/ 2878874 w 3480686"/>
+                <a:gd name="connsiteY1" fmla="*/ 1041778 h 1654536"/>
+                <a:gd name="connsiteX2" fmla="*/ 2773260 w 3480686"/>
+                <a:gd name="connsiteY2" fmla="*/ 1224706 h 1654536"/>
+                <a:gd name="connsiteX3" fmla="*/ 2752904 w 3480686"/>
+                <a:gd name="connsiteY3" fmla="*/ 1249379 h 1654536"/>
+                <a:gd name="connsiteX4" fmla="*/ 2368165 w 3480686"/>
+                <a:gd name="connsiteY4" fmla="*/ 1408743 h 1654536"/>
+                <a:gd name="connsiteX5" fmla="*/ 1406183 w 3480686"/>
+                <a:gd name="connsiteY5" fmla="*/ 1408743 h 1654536"/>
+                <a:gd name="connsiteX6" fmla="*/ 1405426 w 3480686"/>
+                <a:gd name="connsiteY6" fmla="*/ 1410053 h 1654536"/>
+                <a:gd name="connsiteX7" fmla="*/ 491347 w 3480686"/>
+                <a:gd name="connsiteY7" fmla="*/ 1410052 h 1654536"/>
+                <a:gd name="connsiteX8" fmla="*/ 55947 w 3480686"/>
+                <a:gd name="connsiteY8" fmla="*/ 1590402 h 1654536"/>
+                <a:gd name="connsiteX9" fmla="*/ 3031 w 3480686"/>
+                <a:gd name="connsiteY9" fmla="*/ 1654536 h 1654536"/>
+                <a:gd name="connsiteX10" fmla="*/ 0 w 3480686"/>
+                <a:gd name="connsiteY10" fmla="*/ 1654536 h 1654536"/>
+                <a:gd name="connsiteX11" fmla="*/ 599450 w 3480686"/>
+                <a:gd name="connsiteY11" fmla="*/ 609781 h 1654536"/>
+                <a:gd name="connsiteX12" fmla="*/ 601812 w 3480686"/>
+                <a:gd name="connsiteY12" fmla="*/ 612758 h 1654536"/>
+                <a:gd name="connsiteX13" fmla="*/ 707426 w 3480686"/>
+                <a:gd name="connsiteY13" fmla="*/ 429830 h 1654536"/>
+                <a:gd name="connsiteX14" fmla="*/ 727782 w 3480686"/>
+                <a:gd name="connsiteY14" fmla="*/ 405157 h 1654536"/>
+                <a:gd name="connsiteX15" fmla="*/ 1112521 w 3480686"/>
+                <a:gd name="connsiteY15" fmla="*/ 245793 h 1654536"/>
+                <a:gd name="connsiteX16" fmla="*/ 2074503 w 3480686"/>
+                <a:gd name="connsiteY16" fmla="*/ 245793 h 1654536"/>
+                <a:gd name="connsiteX17" fmla="*/ 2075260 w 3480686"/>
+                <a:gd name="connsiteY17" fmla="*/ 244483 h 1654536"/>
+                <a:gd name="connsiteX18" fmla="*/ 2989339 w 3480686"/>
+                <a:gd name="connsiteY18" fmla="*/ 244484 h 1654536"/>
+                <a:gd name="connsiteX19" fmla="*/ 3424739 w 3480686"/>
+                <a:gd name="connsiteY19" fmla="*/ 64134 h 1654536"/>
+                <a:gd name="connsiteX20" fmla="*/ 3477655 w 3480686"/>
+                <a:gd name="connsiteY20" fmla="*/ 0 h 1654536"/>
+                <a:gd name="connsiteX21" fmla="*/ 3480686 w 3480686"/>
+                <a:gd name="connsiteY21" fmla="*/ 0 h 1654536"/>
+              </a:gdLst>
+              <a:ahLst/>
+              <a:cxnLst>
+                <a:cxn ang="0">
+                  <a:pos x="connsiteX0" y="connsiteY0"/>
+                </a:cxn>
+                <a:cxn ang="0">
+                  <a:pos x="connsiteX1" y="connsiteY1"/>
+                </a:cxn>
+                <a:cxn ang="0">
+                  <a:pos x="connsiteX2" y="connsiteY2"/>
+                </a:cxn>
+                <a:cxn ang="0">
+                  <a:pos x="connsiteX3" y="connsiteY3"/>
+                </a:cxn>
+                <a:cxn ang="0">
+                  <a:pos x="connsiteX4" y="connsiteY4"/>
+                </a:cxn>
+                <a:cxn ang="0">
+                  <a:pos x="connsiteX5" y="connsiteY5"/>
+                </a:cxn>
+                <a:cxn ang="0">
+                  <a:pos x="connsiteX6" y="connsiteY6"/>
+                </a:cxn>
+                <a:cxn ang="0">
+                  <a:pos x="connsiteX7" y="connsiteY7"/>
+                </a:cxn>
+                <a:cxn ang="0">
+                  <a:pos x="connsiteX8" y="connsiteY8"/>
+                </a:cxn>
+                <a:cxn ang="0">
+                  <a:pos x="connsiteX9" y="connsiteY9"/>
+                </a:cxn>
+                <a:cxn ang="0">
+                  <a:pos x="connsiteX10" y="connsiteY10"/>
+                </a:cxn>
+                <a:cxn ang="0">
+                  <a:pos x="connsiteX11" y="connsiteY11"/>
+                </a:cxn>
+                <a:cxn ang="0">
+                  <a:pos x="connsiteX12" y="connsiteY12"/>
+                </a:cxn>
+                <a:cxn ang="0">
+                  <a:pos x="connsiteX13" y="connsiteY13"/>
+                </a:cxn>
+                <a:cxn ang="0">
+                  <a:pos x="connsiteX14" y="connsiteY14"/>
+                </a:cxn>
+                <a:cxn ang="0">
+                  <a:pos x="connsiteX15" y="connsiteY15"/>
+                </a:cxn>
+                <a:cxn ang="0">
+                  <a:pos x="connsiteX16" y="connsiteY16"/>
+                </a:cxn>
+                <a:cxn ang="0">
+                  <a:pos x="connsiteX17" y="connsiteY17"/>
+                </a:cxn>
+                <a:cxn ang="0">
+                  <a:pos x="connsiteX18" y="connsiteY18"/>
+                </a:cxn>
+                <a:cxn ang="0">
+                  <a:pos x="connsiteX19" y="connsiteY19"/>
+                </a:cxn>
+                <a:cxn ang="0">
+                  <a:pos x="connsiteX20" y="connsiteY20"/>
+                </a:cxn>
+                <a:cxn ang="0">
+                  <a:pos x="connsiteX21" y="connsiteY21"/>
+                </a:cxn>
+              </a:cxnLst>
+              <a:rect l="l" t="t" r="r" b="b"/>
+              <a:pathLst>
+                <a:path w="3480686" h="1654536">
+                  <a:moveTo>
+                    <a:pt x="2881236" y="1044755"/>
+                  </a:moveTo>
+                  <a:lnTo>
+                    <a:pt x="2878874" y="1041778"/>
+                  </a:lnTo>
+                  <a:lnTo>
+                    <a:pt x="2773260" y="1224706"/>
+                  </a:lnTo>
+                  <a:lnTo>
+                    <a:pt x="2752904" y="1249379"/>
+                  </a:lnTo>
+                  <a:cubicBezTo>
+                    <a:pt x="2654441" y="1347842"/>
+                    <a:pt x="2518415" y="1408742"/>
+                    <a:pt x="2368165" y="1408743"/>
+                  </a:cubicBezTo>
+                  <a:lnTo>
+                    <a:pt x="1406183" y="1408743"/>
+                  </a:lnTo>
+                  <a:lnTo>
+                    <a:pt x="1405426" y="1410053"/>
+                  </a:lnTo>
+                  <a:lnTo>
+                    <a:pt x="491347" y="1410052"/>
+                  </a:lnTo>
+                  <a:cubicBezTo>
+                    <a:pt x="321313" y="1410052"/>
+                    <a:pt x="167377" y="1478973"/>
+                    <a:pt x="55947" y="1590402"/>
+                  </a:cubicBezTo>
+                  <a:lnTo>
+                    <a:pt x="3031" y="1654536"/>
+                  </a:lnTo>
+                  <a:lnTo>
+                    <a:pt x="0" y="1654536"/>
+                  </a:lnTo>
+                  <a:lnTo>
+                    <a:pt x="599450" y="609781"/>
+                  </a:lnTo>
+                  <a:lnTo>
+                    <a:pt x="601812" y="612758"/>
+                  </a:lnTo>
+                  <a:lnTo>
+                    <a:pt x="707426" y="429830"/>
+                  </a:lnTo>
+                  <a:lnTo>
+                    <a:pt x="727782" y="405157"/>
+                  </a:lnTo>
+                  <a:cubicBezTo>
+                    <a:pt x="826245" y="306694"/>
+                    <a:pt x="962271" y="245794"/>
+                    <a:pt x="1112521" y="245793"/>
+                  </a:cubicBezTo>
+                  <a:lnTo>
+                    <a:pt x="2074503" y="245793"/>
+                  </a:lnTo>
+                  <a:lnTo>
+                    <a:pt x="2075260" y="244483"/>
+                  </a:lnTo>
+                  <a:lnTo>
+                    <a:pt x="2989339" y="244484"/>
+                  </a:lnTo>
+                  <a:cubicBezTo>
+                    <a:pt x="3159373" y="244484"/>
+                    <a:pt x="3313309" y="175563"/>
+                    <a:pt x="3424739" y="64134"/>
+                  </a:cubicBezTo>
+                  <a:lnTo>
+                    <a:pt x="3477655" y="0"/>
+                  </a:lnTo>
+                  <a:lnTo>
+                    <a:pt x="3480686" y="0"/>
+                  </a:lnTo>
+                  <a:close/>
+                </a:path>
+              </a:pathLst>
+            </a:custGeom>
+            <a:gradFill flip="none" rotWithShape="1">
+              <a:gsLst>
+                <a:gs pos="0">
+                  <a:schemeClr val="tx1">
+                    <a:lumMod val="75000"/>
+                    <a:lumOff val="25000"/>
+                    <a:shade val="30000"/>
+                    <a:satMod val="115000"/>
+                  </a:schemeClr>
+                </a:gs>
+                <a:gs pos="50000">
+                  <a:schemeClr val="tx1">
+                    <a:lumMod val="75000"/>
+                    <a:lumOff val="25000"/>
+                    <a:shade val="67500"/>
+                    <a:satMod val="115000"/>
+                  </a:schemeClr>
+                </a:gs>
+                <a:gs pos="100000">
+                  <a:schemeClr val="tx1">
+                    <a:lumMod val="75000"/>
+                    <a:lumOff val="25000"/>
+                    <a:shade val="100000"/>
+                    <a:satMod val="115000"/>
+                  </a:schemeClr>
+                </a:gs>
+              </a:gsLst>
+              <a:lin ang="13500000" scaled="1"/>
+              <a:tileRect/>
+            </a:gradFill>
+            <a:ln>
+              <a:noFill/>
+            </a:ln>
+          </p:spPr>
+          <p:style>
+            <a:lnRef idx="2">
+              <a:schemeClr val="accent1">
+                <a:shade val="50000"/>
+              </a:schemeClr>
+            </a:lnRef>
+            <a:fillRef idx="1">
+              <a:schemeClr val="accent1"/>
+            </a:fillRef>
+            <a:effectRef idx="0">
+              <a:schemeClr val="accent1"/>
+            </a:effectRef>
+            <a:fontRef idx="minor">
+              <a:schemeClr val="lt1"/>
+            </a:fontRef>
+          </p:style>
+          <p:txBody>
+            <a:bodyPr rtlCol="0" anchor="ctr"/>
+            <a:lstStyle/>
+            <a:p>
+              <a:pPr algn="ctr"/>
+              <a:endParaRPr lang="ko-KR" altLang="en-US">
+                <a:solidFill>
+                  <a:prstClr val="white"/>
+                </a:solidFill>
+              </a:endParaRPr>
+            </a:p>
+          </p:txBody>
+        </p:sp>
+      </p:grpSp>
+      <p:sp>
+        <p:nvSpPr>
+          <p:cNvPr id="21" name="직사각형 20">
+            <a:extLst>
+              <a:ext uri="{FF2B5EF4-FFF2-40B4-BE49-F238E27FC236}">
+                <a16:creationId xmlns:a16="http://schemas.microsoft.com/office/drawing/2014/main" id="{B93364DB-02A7-FC48-4FCE-EFCABD600C8E}"/>
+              </a:ext>
+            </a:extLst>
+          </p:cNvPr>
+          <p:cNvSpPr/>
+          <p:nvPr/>
+        </p:nvSpPr>
+        <p:spPr>
+          <a:xfrm>
+            <a:off x="1056546" y="1763489"/>
+            <a:ext cx="3001103" cy="1216359"/>
+          </a:xfrm>
+          <a:prstGeom prst="rect">
+            <a:avLst/>
+          </a:prstGeom>
+        </p:spPr>
+        <p:txBody>
+          <a:bodyPr wrap="square">
+            <a:spAutoFit/>
+          </a:bodyPr>
+          <a:lstStyle/>
+          <a:p>
+            <a:pPr algn="ctr">
+              <a:lnSpc>
+                <a:spcPct val="150000"/>
+              </a:lnSpc>
+            </a:pPr>
+            <a:r>
+              <a:rPr lang="ko-KR" altLang="en-US" sz="1400" b="1" i="0" dirty="0">
+                <a:effectLst/>
+                <a:latin typeface="Söhne"/>
+              </a:rPr>
+              <a:t>다양한 관점의 의견 교환 </a:t>
+            </a:r>
+            <a:endParaRPr lang="en-US" altLang="ko-KR" sz="1400" b="1" dirty="0"/>
+          </a:p>
+          <a:p>
+            <a:pPr algn="ctr">
+              <a:lnSpc>
+                <a:spcPct val="150000"/>
+              </a:lnSpc>
+            </a:pPr>
+            <a:r>
+              <a:rPr lang="ko-KR" altLang="en-US" sz="1200" b="0" i="0" dirty="0">
+                <a:effectLst/>
+                <a:latin typeface="Söhne"/>
+              </a:rPr>
+              <a:t>사용자들은 개인의 경험을 바탕으로 </a:t>
+            </a:r>
+            <a:endParaRPr lang="en-US" altLang="ko-KR" sz="1200" b="0" i="0" dirty="0">
+              <a:effectLst/>
+              <a:latin typeface="Söhne"/>
+            </a:endParaRPr>
+          </a:p>
+          <a:p>
+            <a:pPr algn="ctr">
+              <a:lnSpc>
+                <a:spcPct val="150000"/>
+              </a:lnSpc>
+            </a:pPr>
+            <a:r>
+              <a:rPr lang="ko-KR" altLang="en-US" sz="1200" b="0" i="0" dirty="0">
+                <a:effectLst/>
+                <a:latin typeface="Söhne"/>
+              </a:rPr>
+              <a:t>의견을 교환하고</a:t>
+            </a:r>
+            <a:r>
+              <a:rPr lang="en-US" altLang="ko-KR" sz="1200" b="0" i="0" dirty="0">
+                <a:effectLst/>
+                <a:latin typeface="Söhne"/>
+              </a:rPr>
+              <a:t>,</a:t>
+            </a:r>
+            <a:r>
+              <a:rPr lang="ko-KR" altLang="en-US" sz="1200" b="0" i="0" dirty="0">
+                <a:effectLst/>
+                <a:latin typeface="Söhne"/>
+              </a:rPr>
+              <a:t> 다양한 관점을 공유할 수 있습니다</a:t>
+            </a:r>
+            <a:r>
+              <a:rPr lang="en-US" altLang="ko-KR" sz="1200" b="0" i="0" dirty="0">
+                <a:effectLst/>
+                <a:latin typeface="Söhne"/>
+              </a:rPr>
+              <a:t>.</a:t>
+            </a:r>
+            <a:endParaRPr lang="ko-KR" altLang="en-US" sz="900" dirty="0"/>
+          </a:p>
+        </p:txBody>
+      </p:sp>
+      <p:sp>
+        <p:nvSpPr>
+          <p:cNvPr id="22" name="직사각형 21">
+            <a:extLst>
+              <a:ext uri="{FF2B5EF4-FFF2-40B4-BE49-F238E27FC236}">
+                <a16:creationId xmlns:a16="http://schemas.microsoft.com/office/drawing/2014/main" id="{EF747EEA-E069-05A1-C526-B704D7958A52}"/>
+              </a:ext>
+            </a:extLst>
+          </p:cNvPr>
+          <p:cNvSpPr/>
+          <p:nvPr/>
+        </p:nvSpPr>
+        <p:spPr>
+          <a:xfrm>
+            <a:off x="4592604" y="1763488"/>
+            <a:ext cx="3001103" cy="939360"/>
+          </a:xfrm>
+          <a:prstGeom prst="rect">
+            <a:avLst/>
+          </a:prstGeom>
+        </p:spPr>
+        <p:txBody>
+          <a:bodyPr wrap="square">
+            <a:spAutoFit/>
+          </a:bodyPr>
+          <a:lstStyle/>
+          <a:p>
+            <a:pPr algn="ctr">
+              <a:lnSpc>
+                <a:spcPct val="150000"/>
+              </a:lnSpc>
+            </a:pPr>
+            <a:r>
+              <a:rPr lang="ko-KR" altLang="en-US" sz="1400" b="1" dirty="0"/>
+              <a:t>의사결정 지원</a:t>
+            </a:r>
+            <a:endParaRPr lang="en-US" altLang="ko-KR" sz="1400" b="1" dirty="0"/>
+          </a:p>
+          <a:p>
+            <a:pPr algn="ctr">
+              <a:lnSpc>
+                <a:spcPct val="150000"/>
+              </a:lnSpc>
+            </a:pPr>
+            <a:r>
+              <a:rPr lang="ko-KR" altLang="en-US" sz="1200" b="0" i="0" dirty="0">
+                <a:effectLst/>
+                <a:latin typeface="Söhne"/>
+              </a:rPr>
+              <a:t>사용자가 리뷰와 평점을 통해 정보에 기반한 의사결정을 내릴 수 있도록 지원합니다</a:t>
+            </a:r>
+            <a:r>
+              <a:rPr lang="en-US" altLang="ko-KR" sz="1200" b="0" i="0" dirty="0">
+                <a:effectLst/>
+                <a:latin typeface="Söhne"/>
+              </a:rPr>
+              <a:t>.</a:t>
+            </a:r>
+            <a:endParaRPr lang="ko-KR" altLang="en-US" sz="900" dirty="0"/>
+          </a:p>
+        </p:txBody>
+      </p:sp>
+      <p:sp>
+        <p:nvSpPr>
+          <p:cNvPr id="23" name="직사각형 22">
+            <a:extLst>
+              <a:ext uri="{FF2B5EF4-FFF2-40B4-BE49-F238E27FC236}">
+                <a16:creationId xmlns:a16="http://schemas.microsoft.com/office/drawing/2014/main" id="{694DDFFE-041C-F816-CE0A-93BD09A2137A}"/>
+              </a:ext>
+            </a:extLst>
+          </p:cNvPr>
+          <p:cNvSpPr/>
+          <p:nvPr/>
+        </p:nvSpPr>
+        <p:spPr>
+          <a:xfrm>
+            <a:off x="8109612" y="1763487"/>
+            <a:ext cx="3001103" cy="1216359"/>
+          </a:xfrm>
+          <a:prstGeom prst="rect">
+            <a:avLst/>
+          </a:prstGeom>
+        </p:spPr>
+        <p:txBody>
+          <a:bodyPr wrap="square">
+            <a:spAutoFit/>
+          </a:bodyPr>
+          <a:lstStyle/>
+          <a:p>
+            <a:pPr algn="ctr">
+              <a:lnSpc>
+                <a:spcPct val="150000"/>
+              </a:lnSpc>
+            </a:pPr>
+            <a:r>
+              <a:rPr lang="ko-KR" altLang="en-US" sz="1400" b="1" i="0" dirty="0">
+                <a:effectLst/>
+                <a:latin typeface="Söhne"/>
+              </a:rPr>
+              <a:t>콘텐츠 순위 결정</a:t>
+            </a:r>
+            <a:endParaRPr lang="en-US" altLang="ko-KR" sz="1400" b="1" i="0" dirty="0">
+              <a:effectLst/>
+              <a:latin typeface="Söhne"/>
+            </a:endParaRPr>
+          </a:p>
+          <a:p>
+            <a:pPr algn="ctr">
+              <a:lnSpc>
+                <a:spcPct val="150000"/>
+              </a:lnSpc>
+            </a:pPr>
+            <a:r>
+              <a:rPr lang="ko-KR" altLang="en-US" sz="1200" b="0" i="0" dirty="0">
+                <a:effectLst/>
+                <a:latin typeface="Söhne"/>
+              </a:rPr>
+              <a:t>좋아요 수와 조회수를 기반으로 인기 리뷰나 영화를 순위별로 보여주어 사용자의 콘텐츠 선택을 </a:t>
+            </a:r>
+            <a:r>
+              <a:rPr lang="ko-KR" altLang="en-US" sz="1200" b="0" i="0" dirty="0" err="1">
+                <a:effectLst/>
+                <a:latin typeface="Söhne"/>
+              </a:rPr>
+              <a:t>돕습니다</a:t>
+            </a:r>
+            <a:r>
+              <a:rPr lang="en-US" altLang="ko-KR" sz="1200" b="0" i="0" dirty="0">
+                <a:effectLst/>
+                <a:latin typeface="Söhne"/>
+              </a:rPr>
+              <a:t>.</a:t>
+            </a:r>
+            <a:endParaRPr lang="ko-KR" altLang="en-US" sz="900" dirty="0"/>
+          </a:p>
+        </p:txBody>
+      </p:sp>
+      <p:sp>
+        <p:nvSpPr>
+          <p:cNvPr id="24" name="직사각형 23">
+            <a:extLst>
+              <a:ext uri="{FF2B5EF4-FFF2-40B4-BE49-F238E27FC236}">
+                <a16:creationId xmlns:a16="http://schemas.microsoft.com/office/drawing/2014/main" id="{D9555273-C049-1EA4-66A8-EF7AC0BE2382}"/>
+              </a:ext>
+            </a:extLst>
+          </p:cNvPr>
+          <p:cNvSpPr/>
+          <p:nvPr/>
+        </p:nvSpPr>
+        <p:spPr>
+          <a:xfrm>
+            <a:off x="3051340" y="5100354"/>
+            <a:ext cx="2994752" cy="939360"/>
+          </a:xfrm>
+          <a:prstGeom prst="rect">
+            <a:avLst/>
+          </a:prstGeom>
+        </p:spPr>
+        <p:txBody>
+          <a:bodyPr wrap="square">
+            <a:spAutoFit/>
+          </a:bodyPr>
+          <a:lstStyle/>
+          <a:p>
+            <a:pPr algn="ctr">
+              <a:lnSpc>
+                <a:spcPct val="150000"/>
+              </a:lnSpc>
+            </a:pPr>
+            <a:r>
+              <a:rPr lang="ko-KR" altLang="en-US" sz="1400" b="1" i="0" dirty="0">
+                <a:effectLst/>
+                <a:latin typeface="Söhne"/>
+              </a:rPr>
+              <a:t>개인화된 영화 추천</a:t>
+            </a:r>
+            <a:endParaRPr lang="en-US" altLang="ko-KR" sz="1400" b="1" i="0" dirty="0">
+              <a:effectLst/>
+              <a:latin typeface="Söhne"/>
+            </a:endParaRPr>
+          </a:p>
+          <a:p>
+            <a:pPr algn="ctr">
+              <a:lnSpc>
+                <a:spcPct val="150000"/>
+              </a:lnSpc>
+            </a:pPr>
+            <a:r>
+              <a:rPr lang="ko-KR" altLang="en-US" sz="1200" b="0" i="0" dirty="0">
+                <a:effectLst/>
+                <a:latin typeface="Söhne"/>
+              </a:rPr>
+              <a:t>사용자의 취향과 </a:t>
+            </a:r>
+            <a:r>
+              <a:rPr lang="ko-KR" altLang="en-US" sz="1200" b="0" i="0" dirty="0" err="1">
+                <a:effectLst/>
+                <a:latin typeface="Söhne"/>
+              </a:rPr>
+              <a:t>보고있는</a:t>
+            </a:r>
+            <a:r>
+              <a:rPr lang="ko-KR" altLang="en-US" sz="1200" b="0" i="0" dirty="0">
+                <a:effectLst/>
+                <a:latin typeface="Söhne"/>
+              </a:rPr>
+              <a:t> 영화를 </a:t>
+            </a:r>
+            <a:endParaRPr lang="en-US" altLang="ko-KR" sz="1200" b="0" i="0" dirty="0">
+              <a:effectLst/>
+              <a:latin typeface="Söhne"/>
+            </a:endParaRPr>
+          </a:p>
+          <a:p>
+            <a:pPr algn="ctr">
+              <a:lnSpc>
+                <a:spcPct val="150000"/>
+              </a:lnSpc>
+            </a:pPr>
+            <a:r>
+              <a:rPr lang="ko-KR" altLang="en-US" sz="1200" b="0" i="0" dirty="0">
+                <a:effectLst/>
+                <a:latin typeface="Söhne"/>
+              </a:rPr>
+              <a:t>분석하여 맞춤형 영화 추천을 제공합니다</a:t>
+            </a:r>
+            <a:r>
+              <a:rPr lang="en-US" altLang="ko-KR" sz="1200" b="0" i="0" dirty="0">
+                <a:effectLst/>
+                <a:latin typeface="Söhne"/>
+              </a:rPr>
+              <a:t>.</a:t>
+            </a:r>
+            <a:endParaRPr lang="ko-KR" altLang="en-US" sz="900" dirty="0"/>
+          </a:p>
+        </p:txBody>
+      </p:sp>
+      <p:sp>
+        <p:nvSpPr>
+          <p:cNvPr id="25" name="직사각형 24">
+            <a:extLst>
+              <a:ext uri="{FF2B5EF4-FFF2-40B4-BE49-F238E27FC236}">
+                <a16:creationId xmlns:a16="http://schemas.microsoft.com/office/drawing/2014/main" id="{F30028F2-DBE3-CAC1-2B69-6DD3CF662692}"/>
+              </a:ext>
+            </a:extLst>
+          </p:cNvPr>
+          <p:cNvSpPr/>
+          <p:nvPr/>
+        </p:nvSpPr>
+        <p:spPr>
+          <a:xfrm>
+            <a:off x="6587398" y="5100353"/>
+            <a:ext cx="2994752" cy="939360"/>
+          </a:xfrm>
+          <a:prstGeom prst="rect">
+            <a:avLst/>
+          </a:prstGeom>
+        </p:spPr>
+        <p:txBody>
+          <a:bodyPr wrap="square">
+            <a:spAutoFit/>
+          </a:bodyPr>
+          <a:lstStyle/>
+          <a:p>
+            <a:pPr algn="ctr">
+              <a:lnSpc>
+                <a:spcPct val="150000"/>
+              </a:lnSpc>
+            </a:pPr>
+            <a:r>
+              <a:rPr lang="ko-KR" altLang="en-US" sz="1400" b="1" dirty="0"/>
+              <a:t>사용자 기반 확대</a:t>
+            </a:r>
+            <a:endParaRPr lang="en-US" altLang="ko-KR" sz="1400" b="1" dirty="0"/>
+          </a:p>
+          <a:p>
+            <a:pPr algn="ctr">
+              <a:lnSpc>
+                <a:spcPct val="150000"/>
+              </a:lnSpc>
+            </a:pPr>
+            <a:r>
+              <a:rPr lang="ko-KR" altLang="en-US" sz="1200" b="0" i="0" dirty="0">
+                <a:effectLst/>
+                <a:latin typeface="Söhne"/>
+              </a:rPr>
+              <a:t>흥미로운 콘텐츠 제공을 통해 사용자 기반을 확대하고</a:t>
+            </a:r>
+            <a:r>
+              <a:rPr lang="en-US" altLang="ko-KR" sz="1200" b="0" i="0" dirty="0">
+                <a:effectLst/>
+                <a:latin typeface="Söhne"/>
+              </a:rPr>
+              <a:t>, </a:t>
+            </a:r>
+            <a:r>
+              <a:rPr lang="ko-KR" altLang="en-US" sz="1200" b="0" i="0" dirty="0">
+                <a:effectLst/>
+                <a:latin typeface="Söhne"/>
+              </a:rPr>
+              <a:t>사이트 </a:t>
+            </a:r>
+            <a:r>
+              <a:rPr lang="ko-KR" altLang="en-US" sz="1200" b="0" i="0" dirty="0" err="1">
+                <a:effectLst/>
+                <a:latin typeface="Söhne"/>
+              </a:rPr>
+              <a:t>방문률을</a:t>
+            </a:r>
+            <a:r>
+              <a:rPr lang="ko-KR" altLang="en-US" sz="1200" b="0" i="0" dirty="0">
+                <a:effectLst/>
+                <a:latin typeface="Söhne"/>
+              </a:rPr>
+              <a:t> 높입니다</a:t>
+            </a:r>
+            <a:r>
+              <a:rPr lang="en-US" altLang="ko-KR" sz="1200" b="0" i="0" dirty="0">
+                <a:effectLst/>
+                <a:latin typeface="Söhne"/>
+              </a:rPr>
+              <a:t>.</a:t>
+            </a:r>
+            <a:endParaRPr lang="ko-KR" altLang="en-US" sz="900" dirty="0"/>
+          </a:p>
+        </p:txBody>
+      </p:sp>
+      <p:pic>
+        <p:nvPicPr>
+          <p:cNvPr id="26" name="Picture 2" descr="D-171] 공부 끝 - 오르비">
+            <a:extLst>
+              <a:ext uri="{FF2B5EF4-FFF2-40B4-BE49-F238E27FC236}">
+                <a16:creationId xmlns:a16="http://schemas.microsoft.com/office/drawing/2014/main" id="{42C98EDF-DAD1-77E4-638D-23FB5A52A4C9}"/>
+              </a:ext>
+            </a:extLst>
+          </p:cNvPr>
+          <p:cNvPicPr>
+            <a:picLocks noChangeAspect="1" noChangeArrowheads="1"/>
+          </p:cNvPicPr>
+          <p:nvPr/>
+        </p:nvPicPr>
+        <p:blipFill rotWithShape="1">
+          <a:blip r:embed="rId2">
+            <a:alphaModFix amt="8000"/>
+          </a:blip>
+          <a:srcRect l="33060"/>
+          <a:stretch>
+            <a:fillRect/>
+          </a:stretch>
+        </p:blipFill>
+        <p:spPr>
+          <a:xfrm rot="19609297">
+            <a:off x="10034960" y="3404057"/>
+            <a:ext cx="544722" cy="1272083"/>
+          </a:xfrm>
+          <a:prstGeom prst="rect">
+            <a:avLst/>
+          </a:prstGeom>
+          <a:noFill/>
+        </p:spPr>
+      </p:pic>
     </p:spTree>
     <p:extLst>
       <p:ext uri="{BB962C8B-B14F-4D97-AF65-F5344CB8AC3E}">
@@ -47637,6 +49963,2087 @@
           </a:p>
         </p:txBody>
       </p:sp>
+      <p:grpSp>
+        <p:nvGrpSpPr>
+          <p:cNvPr id="6" name="그룹 5">
+            <a:extLst>
+              <a:ext uri="{FF2B5EF4-FFF2-40B4-BE49-F238E27FC236}">
+                <a16:creationId xmlns:a16="http://schemas.microsoft.com/office/drawing/2014/main" id="{014A6E5F-A40B-2D32-9954-E2FB707DB4A5}"/>
+              </a:ext>
+            </a:extLst>
+          </p:cNvPr>
+          <p:cNvGrpSpPr/>
+          <p:nvPr/>
+        </p:nvGrpSpPr>
+        <p:grpSpPr>
+          <a:xfrm>
+            <a:off x="2913847" y="2488266"/>
+            <a:ext cx="6751816" cy="3192862"/>
+            <a:chOff x="2725791" y="2219890"/>
+            <a:chExt cx="6751816" cy="3192862"/>
+          </a:xfrm>
+        </p:grpSpPr>
+        <p:grpSp>
+          <p:nvGrpSpPr>
+            <p:cNvPr id="7" name="그룹 6">
+              <a:extLst>
+                <a:ext uri="{FF2B5EF4-FFF2-40B4-BE49-F238E27FC236}">
+                  <a16:creationId xmlns:a16="http://schemas.microsoft.com/office/drawing/2014/main" id="{557787A0-2B55-8034-7AC2-3D71C307CF3C}"/>
+                </a:ext>
+              </a:extLst>
+            </p:cNvPr>
+            <p:cNvGrpSpPr/>
+            <p:nvPr/>
+          </p:nvGrpSpPr>
+          <p:grpSpPr>
+            <a:xfrm rot="2700000">
+              <a:off x="2207927" y="2737754"/>
+              <a:ext cx="3192862" cy="2157133"/>
+              <a:chOff x="1095582" y="2433005"/>
+              <a:chExt cx="3192862" cy="2157133"/>
+            </a:xfrm>
+          </p:grpSpPr>
+          <p:grpSp>
+            <p:nvGrpSpPr>
+              <p:cNvPr id="24" name="그룹 23">
+                <a:extLst>
+                  <a:ext uri="{FF2B5EF4-FFF2-40B4-BE49-F238E27FC236}">
+                    <a16:creationId xmlns:a16="http://schemas.microsoft.com/office/drawing/2014/main" id="{99111F8E-1820-CA4A-B539-649B6ED7339E}"/>
+                  </a:ext>
+                </a:extLst>
+              </p:cNvPr>
+              <p:cNvGrpSpPr/>
+              <p:nvPr/>
+            </p:nvGrpSpPr>
+            <p:grpSpPr>
+              <a:xfrm>
+                <a:off x="2871325" y="2433005"/>
+                <a:ext cx="1417119" cy="1606442"/>
+                <a:chOff x="2825449" y="1224038"/>
+                <a:chExt cx="921684" cy="1044817"/>
+              </a:xfrm>
+            </p:grpSpPr>
+            <p:cxnSp>
+              <p:nvCxnSpPr>
+                <p:cNvPr id="29" name="직선 연결선 28">
+                  <a:extLst>
+                    <a:ext uri="{FF2B5EF4-FFF2-40B4-BE49-F238E27FC236}">
+                      <a16:creationId xmlns:a16="http://schemas.microsoft.com/office/drawing/2014/main" id="{B9AAAFF5-FEDC-DBD5-8F65-78EE534B4FFD}"/>
+                    </a:ext>
+                  </a:extLst>
+                </p:cNvPr>
+                <p:cNvCxnSpPr>
+                  <a:cxnSpLocks/>
+                  <a:endCxn id="30" idx="2"/>
+                </p:cNvCxnSpPr>
+                <p:nvPr/>
+              </p:nvCxnSpPr>
+              <p:spPr>
+                <a:xfrm rot="18900000">
+                  <a:off x="2825449" y="1224038"/>
+                  <a:ext cx="413214" cy="413225"/>
+                </a:xfrm>
+                <a:prstGeom prst="line">
+                  <a:avLst/>
+                </a:prstGeom>
+                <a:ln>
+                  <a:solidFill>
+                    <a:schemeClr val="tx1"/>
+                  </a:solidFill>
+                </a:ln>
+              </p:spPr>
+              <p:style>
+                <a:lnRef idx="1">
+                  <a:schemeClr val="accent1"/>
+                </a:lnRef>
+                <a:fillRef idx="0">
+                  <a:schemeClr val="accent1"/>
+                </a:fillRef>
+                <a:effectRef idx="0">
+                  <a:schemeClr val="accent1"/>
+                </a:effectRef>
+                <a:fontRef idx="minor">
+                  <a:schemeClr val="tx1"/>
+                </a:fontRef>
+              </p:style>
+            </p:cxnSp>
+            <p:sp>
+              <p:nvSpPr>
+                <p:cNvPr id="30" name="원호 29">
+                  <a:extLst>
+                    <a:ext uri="{FF2B5EF4-FFF2-40B4-BE49-F238E27FC236}">
+                      <a16:creationId xmlns:a16="http://schemas.microsoft.com/office/drawing/2014/main" id="{23444E4C-F609-B2C8-248F-79F202202E25}"/>
+                    </a:ext>
+                  </a:extLst>
+                </p:cNvPr>
+                <p:cNvSpPr/>
+                <p:nvPr/>
+              </p:nvSpPr>
+              <p:spPr>
+                <a:xfrm flipH="1">
+                  <a:off x="2901132" y="1430655"/>
+                  <a:ext cx="846001" cy="838200"/>
+                </a:xfrm>
+                <a:prstGeom prst="arc">
+                  <a:avLst>
+                    <a:gd name="adj1" fmla="val 160859"/>
+                    <a:gd name="adj2" fmla="val 16199063"/>
+                  </a:avLst>
+                </a:prstGeom>
+                <a:ln>
+                  <a:solidFill>
+                    <a:schemeClr val="tx1"/>
+                  </a:solidFill>
+                </a:ln>
+              </p:spPr>
+              <p:style>
+                <a:lnRef idx="1">
+                  <a:schemeClr val="accent1"/>
+                </a:lnRef>
+                <a:fillRef idx="0">
+                  <a:schemeClr val="accent1"/>
+                </a:fillRef>
+                <a:effectRef idx="0">
+                  <a:schemeClr val="accent1"/>
+                </a:effectRef>
+                <a:fontRef idx="minor">
+                  <a:schemeClr val="tx1"/>
+                </a:fontRef>
+              </p:style>
+              <p:txBody>
+                <a:bodyPr rtlCol="0" anchor="ctr"/>
+                <a:lstStyle/>
+                <a:p>
+                  <a:pPr algn="ctr">
+                    <a:defRPr/>
+                  </a:pPr>
+                  <a:endParaRPr lang="ko-KR" altLang="en-US" dirty="0">
+                    <a:solidFill>
+                      <a:prstClr val="black"/>
+                    </a:solidFill>
+                  </a:endParaRPr>
+                </a:p>
+              </p:txBody>
+            </p:sp>
+          </p:grpSp>
+          <p:grpSp>
+            <p:nvGrpSpPr>
+              <p:cNvPr id="25" name="그룹 24">
+                <a:extLst>
+                  <a:ext uri="{FF2B5EF4-FFF2-40B4-BE49-F238E27FC236}">
+                    <a16:creationId xmlns:a16="http://schemas.microsoft.com/office/drawing/2014/main" id="{4D4B02E1-4586-F596-EC40-4125A2524BCC}"/>
+                  </a:ext>
+                </a:extLst>
+              </p:cNvPr>
+              <p:cNvGrpSpPr/>
+              <p:nvPr/>
+            </p:nvGrpSpPr>
+            <p:grpSpPr>
+              <a:xfrm>
+                <a:off x="1095582" y="2750683"/>
+                <a:ext cx="1954432" cy="1839455"/>
+                <a:chOff x="1718310" y="1430655"/>
+                <a:chExt cx="1271148" cy="1196367"/>
+              </a:xfrm>
+            </p:grpSpPr>
+            <p:sp>
+              <p:nvSpPr>
+                <p:cNvPr id="26" name="왼쪽 대괄호 25">
+                  <a:extLst>
+                    <a:ext uri="{FF2B5EF4-FFF2-40B4-BE49-F238E27FC236}">
+                      <a16:creationId xmlns:a16="http://schemas.microsoft.com/office/drawing/2014/main" id="{A254EDFE-B6D5-3B08-FCCD-4029A8049007}"/>
+                    </a:ext>
+                  </a:extLst>
+                </p:cNvPr>
+                <p:cNvSpPr/>
+                <p:nvPr/>
+              </p:nvSpPr>
+              <p:spPr>
+                <a:xfrm>
+                  <a:off x="1718310" y="1430655"/>
+                  <a:ext cx="444499" cy="838200"/>
+                </a:xfrm>
+                <a:prstGeom prst="leftBracket">
+                  <a:avLst>
+                    <a:gd name="adj" fmla="val 94286"/>
+                  </a:avLst>
+                </a:prstGeom>
+                <a:ln>
+                  <a:solidFill>
+                    <a:schemeClr val="tx1"/>
+                  </a:solidFill>
+                  <a:prstDash val="solid"/>
+                </a:ln>
+              </p:spPr>
+              <p:style>
+                <a:lnRef idx="1">
+                  <a:schemeClr val="accent1"/>
+                </a:lnRef>
+                <a:fillRef idx="0">
+                  <a:schemeClr val="accent1"/>
+                </a:fillRef>
+                <a:effectRef idx="0">
+                  <a:schemeClr val="accent1"/>
+                </a:effectRef>
+                <a:fontRef idx="minor">
+                  <a:schemeClr val="tx1"/>
+                </a:fontRef>
+              </p:style>
+              <p:txBody>
+                <a:bodyPr rtlCol="0" anchor="ctr"/>
+                <a:lstStyle/>
+                <a:p>
+                  <a:pPr algn="ctr">
+                    <a:defRPr/>
+                  </a:pPr>
+                  <a:endParaRPr lang="ko-KR" altLang="en-US">
+                    <a:solidFill>
+                      <a:prstClr val="black"/>
+                    </a:solidFill>
+                  </a:endParaRPr>
+                </a:p>
+              </p:txBody>
+            </p:sp>
+            <p:cxnSp>
+              <p:nvCxnSpPr>
+                <p:cNvPr id="27" name="직선 연결선 26">
+                  <a:extLst>
+                    <a:ext uri="{FF2B5EF4-FFF2-40B4-BE49-F238E27FC236}">
+                      <a16:creationId xmlns:a16="http://schemas.microsoft.com/office/drawing/2014/main" id="{C25FA01D-E3FA-3F8B-B146-8979F2669305}"/>
+                    </a:ext>
+                  </a:extLst>
+                </p:cNvPr>
+                <p:cNvCxnSpPr>
+                  <a:cxnSpLocks/>
+                  <a:stCxn id="26" idx="0"/>
+                </p:cNvCxnSpPr>
+                <p:nvPr/>
+              </p:nvCxnSpPr>
+              <p:spPr>
+                <a:xfrm>
+                  <a:off x="2162809" y="1430655"/>
+                  <a:ext cx="624850" cy="0"/>
+                </a:xfrm>
+                <a:prstGeom prst="line">
+                  <a:avLst/>
+                </a:prstGeom>
+                <a:ln>
+                  <a:solidFill>
+                    <a:schemeClr val="tx1"/>
+                  </a:solidFill>
+                  <a:prstDash val="solid"/>
+                </a:ln>
+              </p:spPr>
+              <p:style>
+                <a:lnRef idx="1">
+                  <a:schemeClr val="accent1"/>
+                </a:lnRef>
+                <a:fillRef idx="0">
+                  <a:schemeClr val="accent1"/>
+                </a:fillRef>
+                <a:effectRef idx="0">
+                  <a:schemeClr val="accent1"/>
+                </a:effectRef>
+                <a:fontRef idx="minor">
+                  <a:schemeClr val="tx1"/>
+                </a:fontRef>
+              </p:style>
+            </p:cxnSp>
+            <p:cxnSp>
+              <p:nvCxnSpPr>
+                <p:cNvPr id="28" name="직선 연결선 27">
+                  <a:extLst>
+                    <a:ext uri="{FF2B5EF4-FFF2-40B4-BE49-F238E27FC236}">
+                      <a16:creationId xmlns:a16="http://schemas.microsoft.com/office/drawing/2014/main" id="{880122AF-97E9-3DFA-5E59-DED897F9EBC8}"/>
+                    </a:ext>
+                  </a:extLst>
+                </p:cNvPr>
+                <p:cNvCxnSpPr>
+                  <a:cxnSpLocks/>
+                  <a:stCxn id="26" idx="2"/>
+                </p:cNvCxnSpPr>
+                <p:nvPr/>
+              </p:nvCxnSpPr>
+              <p:spPr>
+                <a:xfrm rot="18900000">
+                  <a:off x="2311167" y="1926446"/>
+                  <a:ext cx="678291" cy="700576"/>
+                </a:xfrm>
+                <a:prstGeom prst="line">
+                  <a:avLst/>
+                </a:prstGeom>
+                <a:ln>
+                  <a:solidFill>
+                    <a:schemeClr val="tx1"/>
+                  </a:solidFill>
+                  <a:prstDash val="solid"/>
+                </a:ln>
+              </p:spPr>
+              <p:style>
+                <a:lnRef idx="1">
+                  <a:schemeClr val="accent1"/>
+                </a:lnRef>
+                <a:fillRef idx="0">
+                  <a:schemeClr val="accent1"/>
+                </a:fillRef>
+                <a:effectRef idx="0">
+                  <a:schemeClr val="accent1"/>
+                </a:effectRef>
+                <a:fontRef idx="minor">
+                  <a:schemeClr val="tx1"/>
+                </a:fontRef>
+              </p:style>
+            </p:cxnSp>
+          </p:grpSp>
+        </p:grpSp>
+        <p:grpSp>
+          <p:nvGrpSpPr>
+            <p:cNvPr id="8" name="그룹 7">
+              <a:extLst>
+                <a:ext uri="{FF2B5EF4-FFF2-40B4-BE49-F238E27FC236}">
+                  <a16:creationId xmlns:a16="http://schemas.microsoft.com/office/drawing/2014/main" id="{A07B7C89-75D2-32D5-48D1-5BFEB6FFFA7E}"/>
+                </a:ext>
+              </a:extLst>
+            </p:cNvPr>
+            <p:cNvGrpSpPr/>
+            <p:nvPr/>
+          </p:nvGrpSpPr>
+          <p:grpSpPr>
+            <a:xfrm rot="18900000">
+              <a:off x="4445400" y="2791221"/>
+              <a:ext cx="1656593" cy="2142051"/>
+              <a:chOff x="1808368" y="2450144"/>
+              <a:chExt cx="1656593" cy="2142051"/>
+            </a:xfrm>
+          </p:grpSpPr>
+          <p:grpSp>
+            <p:nvGrpSpPr>
+              <p:cNvPr id="20" name="그룹 19">
+                <a:extLst>
+                  <a:ext uri="{FF2B5EF4-FFF2-40B4-BE49-F238E27FC236}">
+                    <a16:creationId xmlns:a16="http://schemas.microsoft.com/office/drawing/2014/main" id="{9DEB895F-2CF3-E6F8-152B-9827F321599A}"/>
+                  </a:ext>
+                </a:extLst>
+              </p:cNvPr>
+              <p:cNvGrpSpPr/>
+              <p:nvPr/>
+            </p:nvGrpSpPr>
+            <p:grpSpPr>
+              <a:xfrm>
+                <a:off x="2354530" y="2450144"/>
+                <a:ext cx="1110431" cy="2142051"/>
+                <a:chOff x="2489328" y="1235185"/>
+                <a:chExt cx="722216" cy="1393173"/>
+              </a:xfrm>
+            </p:grpSpPr>
+            <p:cxnSp>
+              <p:nvCxnSpPr>
+                <p:cNvPr id="22" name="직선 연결선 21">
+                  <a:extLst>
+                    <a:ext uri="{FF2B5EF4-FFF2-40B4-BE49-F238E27FC236}">
+                      <a16:creationId xmlns:a16="http://schemas.microsoft.com/office/drawing/2014/main" id="{150A186F-99FC-1888-DE4F-6055BACCA857}"/>
+                    </a:ext>
+                  </a:extLst>
+                </p:cNvPr>
+                <p:cNvCxnSpPr>
+                  <a:cxnSpLocks/>
+                </p:cNvCxnSpPr>
+                <p:nvPr/>
+              </p:nvCxnSpPr>
+              <p:spPr>
+                <a:xfrm rot="2700000" flipV="1">
+                  <a:off x="2667303" y="1226908"/>
+                  <a:ext cx="395913" cy="412468"/>
+                </a:xfrm>
+                <a:prstGeom prst="line">
+                  <a:avLst/>
+                </a:prstGeom>
+                <a:ln>
+                  <a:solidFill>
+                    <a:schemeClr val="tx1"/>
+                  </a:solidFill>
+                </a:ln>
+              </p:spPr>
+              <p:style>
+                <a:lnRef idx="1">
+                  <a:schemeClr val="accent1"/>
+                </a:lnRef>
+                <a:fillRef idx="0">
+                  <a:schemeClr val="accent1"/>
+                </a:fillRef>
+                <a:effectRef idx="0">
+                  <a:schemeClr val="accent1"/>
+                </a:effectRef>
+                <a:fontRef idx="minor">
+                  <a:schemeClr val="tx1"/>
+                </a:fontRef>
+              </p:style>
+            </p:cxnSp>
+            <p:cxnSp>
+              <p:nvCxnSpPr>
+                <p:cNvPr id="23" name="직선 연결선 22">
+                  <a:extLst>
+                    <a:ext uri="{FF2B5EF4-FFF2-40B4-BE49-F238E27FC236}">
+                      <a16:creationId xmlns:a16="http://schemas.microsoft.com/office/drawing/2014/main" id="{B8601B5C-EA1C-B8A2-AEFA-2C51A6A30591}"/>
+                    </a:ext>
+                  </a:extLst>
+                </p:cNvPr>
+                <p:cNvCxnSpPr>
+                  <a:cxnSpLocks/>
+                </p:cNvCxnSpPr>
+                <p:nvPr/>
+              </p:nvCxnSpPr>
+              <p:spPr>
+                <a:xfrm rot="2700000" flipV="1">
+                  <a:off x="2501197" y="1918012"/>
+                  <a:ext cx="698477" cy="722216"/>
+                </a:xfrm>
+                <a:prstGeom prst="line">
+                  <a:avLst/>
+                </a:prstGeom>
+                <a:ln>
+                  <a:solidFill>
+                    <a:schemeClr val="tx1"/>
+                  </a:solidFill>
+                </a:ln>
+              </p:spPr>
+              <p:style>
+                <a:lnRef idx="1">
+                  <a:schemeClr val="accent1"/>
+                </a:lnRef>
+                <a:fillRef idx="0">
+                  <a:schemeClr val="accent1"/>
+                </a:fillRef>
+                <a:effectRef idx="0">
+                  <a:schemeClr val="accent1"/>
+                </a:effectRef>
+                <a:fontRef idx="minor">
+                  <a:schemeClr val="tx1"/>
+                </a:fontRef>
+              </p:style>
+            </p:cxnSp>
+          </p:grpSp>
+          <p:cxnSp>
+            <p:nvCxnSpPr>
+              <p:cNvPr id="21" name="직선 연결선 20">
+                <a:extLst>
+                  <a:ext uri="{FF2B5EF4-FFF2-40B4-BE49-F238E27FC236}">
+                    <a16:creationId xmlns:a16="http://schemas.microsoft.com/office/drawing/2014/main" id="{0B0EEBDF-38FE-5F7E-65F2-CB6F353681AF}"/>
+                  </a:ext>
+                </a:extLst>
+              </p:cNvPr>
+              <p:cNvCxnSpPr>
+                <a:cxnSpLocks/>
+              </p:cNvCxnSpPr>
+              <p:nvPr/>
+            </p:nvCxnSpPr>
+            <p:spPr>
+              <a:xfrm rot="2700000" flipV="1">
+                <a:off x="1810031" y="2528326"/>
+                <a:ext cx="417716" cy="421041"/>
+              </a:xfrm>
+              <a:prstGeom prst="line">
+                <a:avLst/>
+              </a:prstGeom>
+              <a:ln>
+                <a:solidFill>
+                  <a:schemeClr val="tx1"/>
+                </a:solidFill>
+                <a:prstDash val="solid"/>
+              </a:ln>
+            </p:spPr>
+            <p:style>
+              <a:lnRef idx="1">
+                <a:schemeClr val="accent1"/>
+              </a:lnRef>
+              <a:fillRef idx="0">
+                <a:schemeClr val="accent1"/>
+              </a:fillRef>
+              <a:effectRef idx="0">
+                <a:schemeClr val="accent1"/>
+              </a:effectRef>
+              <a:fontRef idx="minor">
+                <a:schemeClr val="tx1"/>
+              </a:fontRef>
+            </p:style>
+          </p:cxnSp>
+        </p:grpSp>
+        <p:grpSp>
+          <p:nvGrpSpPr>
+            <p:cNvPr id="9" name="그룹 8">
+              <a:extLst>
+                <a:ext uri="{FF2B5EF4-FFF2-40B4-BE49-F238E27FC236}">
+                  <a16:creationId xmlns:a16="http://schemas.microsoft.com/office/drawing/2014/main" id="{54AAFB54-2B71-8210-1324-FD21B9C35529}"/>
+                </a:ext>
+              </a:extLst>
+            </p:cNvPr>
+            <p:cNvGrpSpPr/>
+            <p:nvPr/>
+          </p:nvGrpSpPr>
+          <p:grpSpPr>
+            <a:xfrm rot="2700000">
+              <a:off x="6188464" y="2983789"/>
+              <a:ext cx="2033941" cy="1889350"/>
+              <a:chOff x="2424271" y="1040037"/>
+              <a:chExt cx="1322860" cy="1228818"/>
+            </a:xfrm>
+          </p:grpSpPr>
+          <p:cxnSp>
+            <p:nvCxnSpPr>
+              <p:cNvPr id="18" name="직선 연결선 17">
+                <a:extLst>
+                  <a:ext uri="{FF2B5EF4-FFF2-40B4-BE49-F238E27FC236}">
+                    <a16:creationId xmlns:a16="http://schemas.microsoft.com/office/drawing/2014/main" id="{745A4240-B521-3EFD-819F-3E46C9889599}"/>
+                  </a:ext>
+                </a:extLst>
+              </p:cNvPr>
+              <p:cNvCxnSpPr>
+                <a:cxnSpLocks/>
+                <a:endCxn id="19" idx="2"/>
+              </p:cNvCxnSpPr>
+              <p:nvPr/>
+            </p:nvCxnSpPr>
+            <p:spPr>
+              <a:xfrm rot="18900000">
+                <a:off x="2424271" y="1040037"/>
+                <a:ext cx="739892" cy="764111"/>
+              </a:xfrm>
+              <a:prstGeom prst="line">
+                <a:avLst/>
+              </a:prstGeom>
+              <a:ln>
+                <a:solidFill>
+                  <a:schemeClr val="tx1"/>
+                </a:solidFill>
+              </a:ln>
+            </p:spPr>
+            <p:style>
+              <a:lnRef idx="1">
+                <a:schemeClr val="accent1"/>
+              </a:lnRef>
+              <a:fillRef idx="0">
+                <a:schemeClr val="accent1"/>
+              </a:fillRef>
+              <a:effectRef idx="0">
+                <a:schemeClr val="accent1"/>
+              </a:effectRef>
+              <a:fontRef idx="minor">
+                <a:schemeClr val="tx1"/>
+              </a:fontRef>
+            </p:style>
+          </p:cxnSp>
+          <p:sp>
+            <p:nvSpPr>
+              <p:cNvPr id="19" name="원호 18">
+                <a:extLst>
+                  <a:ext uri="{FF2B5EF4-FFF2-40B4-BE49-F238E27FC236}">
+                    <a16:creationId xmlns:a16="http://schemas.microsoft.com/office/drawing/2014/main" id="{71E2DA1C-DF7B-09BF-3834-44F7474CE191}"/>
+                  </a:ext>
+                </a:extLst>
+              </p:cNvPr>
+              <p:cNvSpPr/>
+              <p:nvPr/>
+            </p:nvSpPr>
+            <p:spPr>
+              <a:xfrm flipH="1">
+                <a:off x="2904567" y="1430655"/>
+                <a:ext cx="842564" cy="838200"/>
+              </a:xfrm>
+              <a:prstGeom prst="arc">
+                <a:avLst>
+                  <a:gd name="adj1" fmla="val 320898"/>
+                  <a:gd name="adj2" fmla="val 16199063"/>
+                </a:avLst>
+              </a:prstGeom>
+              <a:ln>
+                <a:solidFill>
+                  <a:schemeClr val="tx1"/>
+                </a:solidFill>
+              </a:ln>
+            </p:spPr>
+            <p:style>
+              <a:lnRef idx="1">
+                <a:schemeClr val="accent1"/>
+              </a:lnRef>
+              <a:fillRef idx="0">
+                <a:schemeClr val="accent1"/>
+              </a:fillRef>
+              <a:effectRef idx="0">
+                <a:schemeClr val="accent1"/>
+              </a:effectRef>
+              <a:fontRef idx="minor">
+                <a:schemeClr val="tx1"/>
+              </a:fontRef>
+            </p:style>
+            <p:txBody>
+              <a:bodyPr rtlCol="0" anchor="ctr"/>
+              <a:lstStyle/>
+              <a:p>
+                <a:pPr algn="ctr">
+                  <a:defRPr/>
+                </a:pPr>
+                <a:endParaRPr lang="ko-KR" altLang="en-US" dirty="0">
+                  <a:solidFill>
+                    <a:prstClr val="black"/>
+                  </a:solidFill>
+                </a:endParaRPr>
+              </a:p>
+            </p:txBody>
+          </p:sp>
+        </p:grpSp>
+        <p:sp>
+          <p:nvSpPr>
+            <p:cNvPr id="10" name="원호 9">
+              <a:extLst>
+                <a:ext uri="{FF2B5EF4-FFF2-40B4-BE49-F238E27FC236}">
+                  <a16:creationId xmlns:a16="http://schemas.microsoft.com/office/drawing/2014/main" id="{A54F08C2-4149-B5DF-A5DC-028334BB4357}"/>
+                </a:ext>
+              </a:extLst>
+            </p:cNvPr>
+            <p:cNvSpPr/>
+            <p:nvPr/>
+          </p:nvSpPr>
+          <p:spPr>
+            <a:xfrm rot="2700000" flipH="1">
+              <a:off x="5250330" y="2418727"/>
+              <a:ext cx="1295470" cy="1288761"/>
+            </a:xfrm>
+            <a:prstGeom prst="arc">
+              <a:avLst>
+                <a:gd name="adj1" fmla="val 10877210"/>
+                <a:gd name="adj2" fmla="val 4789109"/>
+              </a:avLst>
+            </a:prstGeom>
+            <a:ln>
+              <a:solidFill>
+                <a:schemeClr val="tx1"/>
+              </a:solidFill>
+            </a:ln>
+          </p:spPr>
+          <p:style>
+            <a:lnRef idx="1">
+              <a:schemeClr val="accent1"/>
+            </a:lnRef>
+            <a:fillRef idx="0">
+              <a:schemeClr val="accent1"/>
+            </a:fillRef>
+            <a:effectRef idx="0">
+              <a:schemeClr val="accent1"/>
+            </a:effectRef>
+            <a:fontRef idx="minor">
+              <a:schemeClr val="tx1"/>
+            </a:fontRef>
+          </p:style>
+          <p:txBody>
+            <a:bodyPr rtlCol="0" anchor="ctr"/>
+            <a:lstStyle/>
+            <a:p>
+              <a:pPr algn="ctr">
+                <a:defRPr/>
+              </a:pPr>
+              <a:endParaRPr lang="ko-KR" altLang="en-US" dirty="0">
+                <a:solidFill>
+                  <a:prstClr val="black"/>
+                </a:solidFill>
+              </a:endParaRPr>
+            </a:p>
+          </p:txBody>
+        </p:sp>
+        <p:cxnSp>
+          <p:nvCxnSpPr>
+            <p:cNvPr id="11" name="직선 연결선 10">
+              <a:extLst>
+                <a:ext uri="{FF2B5EF4-FFF2-40B4-BE49-F238E27FC236}">
+                  <a16:creationId xmlns:a16="http://schemas.microsoft.com/office/drawing/2014/main" id="{D4BED2AC-62F9-A02A-6661-9EF416AC4628}"/>
+                </a:ext>
+              </a:extLst>
+            </p:cNvPr>
+            <p:cNvCxnSpPr>
+              <a:cxnSpLocks/>
+            </p:cNvCxnSpPr>
+            <p:nvPr/>
+          </p:nvCxnSpPr>
+          <p:spPr>
+            <a:xfrm>
+              <a:off x="5366751" y="3429918"/>
+              <a:ext cx="450545" cy="475593"/>
+            </a:xfrm>
+            <a:prstGeom prst="line">
+              <a:avLst/>
+            </a:prstGeom>
+            <a:ln>
+              <a:solidFill>
+                <a:schemeClr val="tx1"/>
+              </a:solidFill>
+              <a:prstDash val="solid"/>
+            </a:ln>
+          </p:spPr>
+          <p:style>
+            <a:lnRef idx="1">
+              <a:schemeClr val="accent1"/>
+            </a:lnRef>
+            <a:fillRef idx="0">
+              <a:schemeClr val="accent1"/>
+            </a:fillRef>
+            <a:effectRef idx="0">
+              <a:schemeClr val="accent1"/>
+            </a:effectRef>
+            <a:fontRef idx="minor">
+              <a:schemeClr val="tx1"/>
+            </a:fontRef>
+          </p:style>
+        </p:cxnSp>
+        <p:cxnSp>
+          <p:nvCxnSpPr>
+            <p:cNvPr id="12" name="직선 연결선 11">
+              <a:extLst>
+                <a:ext uri="{FF2B5EF4-FFF2-40B4-BE49-F238E27FC236}">
+                  <a16:creationId xmlns:a16="http://schemas.microsoft.com/office/drawing/2014/main" id="{E374D125-2A07-AD7E-EDCD-AFD3B2EEE66F}"/>
+                </a:ext>
+              </a:extLst>
+            </p:cNvPr>
+            <p:cNvCxnSpPr>
+              <a:cxnSpLocks/>
+            </p:cNvCxnSpPr>
+            <p:nvPr/>
+          </p:nvCxnSpPr>
+          <p:spPr>
+            <a:xfrm>
+              <a:off x="5992551" y="4059484"/>
+              <a:ext cx="450545" cy="475593"/>
+            </a:xfrm>
+            <a:prstGeom prst="line">
+              <a:avLst/>
+            </a:prstGeom>
+            <a:ln>
+              <a:solidFill>
+                <a:schemeClr val="tx1"/>
+              </a:solidFill>
+              <a:prstDash val="solid"/>
+            </a:ln>
+          </p:spPr>
+          <p:style>
+            <a:lnRef idx="1">
+              <a:schemeClr val="accent1"/>
+            </a:lnRef>
+            <a:fillRef idx="0">
+              <a:schemeClr val="accent1"/>
+            </a:fillRef>
+            <a:effectRef idx="0">
+              <a:schemeClr val="accent1"/>
+            </a:effectRef>
+            <a:fontRef idx="minor">
+              <a:schemeClr val="tx1"/>
+            </a:fontRef>
+          </p:style>
+        </p:cxnSp>
+        <p:cxnSp>
+          <p:nvCxnSpPr>
+            <p:cNvPr id="13" name="직선 연결선 12">
+              <a:extLst>
+                <a:ext uri="{FF2B5EF4-FFF2-40B4-BE49-F238E27FC236}">
+                  <a16:creationId xmlns:a16="http://schemas.microsoft.com/office/drawing/2014/main" id="{28AF5A2C-0098-D6FE-C347-8AF9C1B1E6D5}"/>
+                </a:ext>
+              </a:extLst>
+            </p:cNvPr>
+            <p:cNvCxnSpPr>
+              <a:cxnSpLocks/>
+            </p:cNvCxnSpPr>
+            <p:nvPr/>
+          </p:nvCxnSpPr>
+          <p:spPr>
+            <a:xfrm flipV="1">
+              <a:off x="6753505" y="3583640"/>
+              <a:ext cx="395373" cy="405158"/>
+            </a:xfrm>
+            <a:prstGeom prst="line">
+              <a:avLst/>
+            </a:prstGeom>
+            <a:ln>
+              <a:solidFill>
+                <a:schemeClr val="tx1"/>
+              </a:solidFill>
+              <a:prstDash val="solid"/>
+            </a:ln>
+          </p:spPr>
+          <p:style>
+            <a:lnRef idx="1">
+              <a:schemeClr val="accent1"/>
+            </a:lnRef>
+            <a:fillRef idx="0">
+              <a:schemeClr val="accent1"/>
+            </a:fillRef>
+            <a:effectRef idx="0">
+              <a:schemeClr val="accent1"/>
+            </a:effectRef>
+            <a:fontRef idx="minor">
+              <a:schemeClr val="tx1"/>
+            </a:fontRef>
+          </p:style>
+        </p:cxnSp>
+        <p:grpSp>
+          <p:nvGrpSpPr>
+            <p:cNvPr id="14" name="그룹 13">
+              <a:extLst>
+                <a:ext uri="{FF2B5EF4-FFF2-40B4-BE49-F238E27FC236}">
+                  <a16:creationId xmlns:a16="http://schemas.microsoft.com/office/drawing/2014/main" id="{DEA94A55-BCF0-38AA-11E6-EC4E9D2C3E8E}"/>
+                </a:ext>
+              </a:extLst>
+            </p:cNvPr>
+            <p:cNvGrpSpPr/>
+            <p:nvPr/>
+          </p:nvGrpSpPr>
+          <p:grpSpPr>
+            <a:xfrm rot="8100000">
+              <a:off x="7329703" y="2301662"/>
+              <a:ext cx="2147904" cy="2262546"/>
+              <a:chOff x="1718310" y="1036124"/>
+              <a:chExt cx="1396981" cy="1471542"/>
+            </a:xfrm>
+          </p:grpSpPr>
+          <p:sp>
+            <p:nvSpPr>
+              <p:cNvPr id="15" name="왼쪽 대괄호 14">
+                <a:extLst>
+                  <a:ext uri="{FF2B5EF4-FFF2-40B4-BE49-F238E27FC236}">
+                    <a16:creationId xmlns:a16="http://schemas.microsoft.com/office/drawing/2014/main" id="{6733890E-73F7-0201-457F-770F57B94E29}"/>
+                  </a:ext>
+                </a:extLst>
+              </p:cNvPr>
+              <p:cNvSpPr/>
+              <p:nvPr/>
+            </p:nvSpPr>
+            <p:spPr>
+              <a:xfrm>
+                <a:off x="1718310" y="1430655"/>
+                <a:ext cx="444499" cy="838200"/>
+              </a:xfrm>
+              <a:prstGeom prst="leftBracket">
+                <a:avLst>
+                  <a:gd name="adj" fmla="val 94286"/>
+                </a:avLst>
+              </a:prstGeom>
+              <a:ln>
+                <a:solidFill>
+                  <a:schemeClr val="tx1"/>
+                </a:solidFill>
+                <a:prstDash val="solid"/>
+              </a:ln>
+            </p:spPr>
+            <p:style>
+              <a:lnRef idx="1">
+                <a:schemeClr val="accent1"/>
+              </a:lnRef>
+              <a:fillRef idx="0">
+                <a:schemeClr val="accent1"/>
+              </a:fillRef>
+              <a:effectRef idx="0">
+                <a:schemeClr val="accent1"/>
+              </a:effectRef>
+              <a:fontRef idx="minor">
+                <a:schemeClr val="tx1"/>
+              </a:fontRef>
+            </p:style>
+            <p:txBody>
+              <a:bodyPr rtlCol="0" anchor="ctr"/>
+              <a:lstStyle/>
+              <a:p>
+                <a:pPr algn="ctr">
+                  <a:defRPr/>
+                </a:pPr>
+                <a:endParaRPr lang="ko-KR" altLang="en-US">
+                  <a:solidFill>
+                    <a:prstClr val="black"/>
+                  </a:solidFill>
+                </a:endParaRPr>
+              </a:p>
+            </p:txBody>
+          </p:sp>
+          <p:cxnSp>
+            <p:nvCxnSpPr>
+              <p:cNvPr id="16" name="직선 연결선 15">
+                <a:extLst>
+                  <a:ext uri="{FF2B5EF4-FFF2-40B4-BE49-F238E27FC236}">
+                    <a16:creationId xmlns:a16="http://schemas.microsoft.com/office/drawing/2014/main" id="{83565917-C495-1BAD-6EB3-1EB3F78D3CFD}"/>
+                  </a:ext>
+                </a:extLst>
+              </p:cNvPr>
+              <p:cNvCxnSpPr>
+                <a:cxnSpLocks/>
+                <a:stCxn id="15" idx="0"/>
+              </p:cNvCxnSpPr>
+              <p:nvPr/>
+            </p:nvCxnSpPr>
+            <p:spPr>
+              <a:xfrm rot="13500000" flipH="1">
+                <a:off x="2334265" y="1016723"/>
+                <a:ext cx="761625" cy="800427"/>
+              </a:xfrm>
+              <a:prstGeom prst="line">
+                <a:avLst/>
+              </a:prstGeom>
+              <a:ln>
+                <a:solidFill>
+                  <a:schemeClr val="tx1"/>
+                </a:solidFill>
+                <a:prstDash val="solid"/>
+              </a:ln>
+            </p:spPr>
+            <p:style>
+              <a:lnRef idx="1">
+                <a:schemeClr val="accent1"/>
+              </a:lnRef>
+              <a:fillRef idx="0">
+                <a:schemeClr val="accent1"/>
+              </a:fillRef>
+              <a:effectRef idx="0">
+                <a:schemeClr val="accent1"/>
+              </a:effectRef>
+              <a:fontRef idx="minor">
+                <a:schemeClr val="tx1"/>
+              </a:fontRef>
+            </p:style>
+          </p:cxnSp>
+          <p:cxnSp>
+            <p:nvCxnSpPr>
+              <p:cNvPr id="17" name="직선 연결선 16">
+                <a:extLst>
+                  <a:ext uri="{FF2B5EF4-FFF2-40B4-BE49-F238E27FC236}">
+                    <a16:creationId xmlns:a16="http://schemas.microsoft.com/office/drawing/2014/main" id="{14737EFC-B566-3C92-4DDA-5A7354D98B66}"/>
+                  </a:ext>
+                </a:extLst>
+              </p:cNvPr>
+              <p:cNvCxnSpPr>
+                <a:cxnSpLocks/>
+                <a:stCxn id="15" idx="2"/>
+              </p:cNvCxnSpPr>
+              <p:nvPr/>
+            </p:nvCxnSpPr>
+            <p:spPr>
+              <a:xfrm rot="13500000" flipH="1">
+                <a:off x="2260805" y="2032273"/>
+                <a:ext cx="476317" cy="474470"/>
+              </a:xfrm>
+              <a:prstGeom prst="line">
+                <a:avLst/>
+              </a:prstGeom>
+              <a:ln>
+                <a:solidFill>
+                  <a:schemeClr val="tx1"/>
+                </a:solidFill>
+                <a:prstDash val="solid"/>
+              </a:ln>
+            </p:spPr>
+            <p:style>
+              <a:lnRef idx="1">
+                <a:schemeClr val="accent1"/>
+              </a:lnRef>
+              <a:fillRef idx="0">
+                <a:schemeClr val="accent1"/>
+              </a:fillRef>
+              <a:effectRef idx="0">
+                <a:schemeClr val="accent1"/>
+              </a:effectRef>
+              <a:fontRef idx="minor">
+                <a:schemeClr val="tx1"/>
+              </a:fontRef>
+            </p:style>
+          </p:cxnSp>
+        </p:grpSp>
+      </p:grpSp>
+      <p:grpSp>
+        <p:nvGrpSpPr>
+          <p:cNvPr id="46" name="그룹 45">
+            <a:extLst>
+              <a:ext uri="{FF2B5EF4-FFF2-40B4-BE49-F238E27FC236}">
+                <a16:creationId xmlns:a16="http://schemas.microsoft.com/office/drawing/2014/main" id="{3D23D8B6-FA36-805B-46D7-FF99E3401724}"/>
+              </a:ext>
+            </a:extLst>
+          </p:cNvPr>
+          <p:cNvGrpSpPr/>
+          <p:nvPr/>
+        </p:nvGrpSpPr>
+        <p:grpSpPr>
+          <a:xfrm>
+            <a:off x="2902449" y="2771790"/>
+            <a:ext cx="6414920" cy="2458172"/>
+            <a:chOff x="2902449" y="2771790"/>
+            <a:chExt cx="6414920" cy="2458172"/>
+          </a:xfrm>
+        </p:grpSpPr>
+        <p:sp>
+          <p:nvSpPr>
+            <p:cNvPr id="31" name="타원 30">
+              <a:extLst>
+                <a:ext uri="{FF2B5EF4-FFF2-40B4-BE49-F238E27FC236}">
+                  <a16:creationId xmlns:a16="http://schemas.microsoft.com/office/drawing/2014/main" id="{74F28830-2BB5-3A18-926F-10B28ABFB2D9}"/>
+                </a:ext>
+              </a:extLst>
+            </p:cNvPr>
+            <p:cNvSpPr/>
+            <p:nvPr/>
+          </p:nvSpPr>
+          <p:spPr>
+            <a:xfrm>
+              <a:off x="4197620" y="4134432"/>
+              <a:ext cx="1063838" cy="1063838"/>
+            </a:xfrm>
+            <a:prstGeom prst="ellipse">
+              <a:avLst/>
+            </a:prstGeom>
+            <a:solidFill>
+              <a:schemeClr val="bg1"/>
+            </a:solidFill>
+            <a:ln>
+              <a:noFill/>
+            </a:ln>
+            <a:effectLst>
+              <a:outerShdw blurRad="50800" dist="38100" dir="8100000" algn="tr" rotWithShape="0">
+                <a:srgbClr val="D60093">
+                  <a:alpha val="15000"/>
+                </a:srgbClr>
+              </a:outerShdw>
+            </a:effectLst>
+          </p:spPr>
+          <p:style>
+            <a:lnRef idx="2">
+              <a:schemeClr val="accent1">
+                <a:shade val="50000"/>
+              </a:schemeClr>
+            </a:lnRef>
+            <a:fillRef idx="1">
+              <a:schemeClr val="accent1"/>
+            </a:fillRef>
+            <a:effectRef idx="0">
+              <a:schemeClr val="accent1"/>
+            </a:effectRef>
+            <a:fontRef idx="minor">
+              <a:schemeClr val="lt1"/>
+            </a:fontRef>
+          </p:style>
+          <p:txBody>
+            <a:bodyPr rtlCol="0" anchor="ctr"/>
+            <a:lstStyle/>
+            <a:p>
+              <a:pPr algn="ctr">
+                <a:defRPr/>
+              </a:pPr>
+              <a:endParaRPr lang="ko-KR" altLang="en-US" dirty="0">
+                <a:solidFill>
+                  <a:prstClr val="white"/>
+                </a:solidFill>
+              </a:endParaRPr>
+            </a:p>
+          </p:txBody>
+        </p:sp>
+        <p:sp>
+          <p:nvSpPr>
+            <p:cNvPr id="32" name="타원 31">
+              <a:extLst>
+                <a:ext uri="{FF2B5EF4-FFF2-40B4-BE49-F238E27FC236}">
+                  <a16:creationId xmlns:a16="http://schemas.microsoft.com/office/drawing/2014/main" id="{F275790D-5813-40C6-3EFA-63038253C737}"/>
+                </a:ext>
+              </a:extLst>
+            </p:cNvPr>
+            <p:cNvSpPr>
+              <a:spLocks/>
+            </p:cNvSpPr>
+            <p:nvPr/>
+          </p:nvSpPr>
+          <p:spPr>
+            <a:xfrm>
+              <a:off x="2902449" y="2824717"/>
+              <a:ext cx="1063838" cy="1063838"/>
+            </a:xfrm>
+            <a:prstGeom prst="ellipse">
+              <a:avLst/>
+            </a:prstGeom>
+            <a:solidFill>
+              <a:schemeClr val="bg1"/>
+            </a:solidFill>
+            <a:ln>
+              <a:noFill/>
+            </a:ln>
+            <a:effectLst>
+              <a:outerShdw blurRad="50800" dist="38100" dir="8100000" algn="tr" rotWithShape="0">
+                <a:srgbClr val="D60093">
+                  <a:alpha val="15000"/>
+                </a:srgbClr>
+              </a:outerShdw>
+            </a:effectLst>
+          </p:spPr>
+          <p:style>
+            <a:lnRef idx="2">
+              <a:schemeClr val="accent1">
+                <a:shade val="50000"/>
+              </a:schemeClr>
+            </a:lnRef>
+            <a:fillRef idx="1">
+              <a:schemeClr val="accent1"/>
+            </a:fillRef>
+            <a:effectRef idx="0">
+              <a:schemeClr val="accent1"/>
+            </a:effectRef>
+            <a:fontRef idx="minor">
+              <a:schemeClr val="lt1"/>
+            </a:fontRef>
+          </p:style>
+          <p:txBody>
+            <a:bodyPr rtlCol="0" anchor="ctr"/>
+            <a:lstStyle/>
+            <a:p>
+              <a:pPr algn="ctr">
+                <a:defRPr/>
+              </a:pPr>
+              <a:endParaRPr lang="ko-KR" altLang="en-US" dirty="0">
+                <a:solidFill>
+                  <a:prstClr val="white"/>
+                </a:solidFill>
+              </a:endParaRPr>
+            </a:p>
+          </p:txBody>
+        </p:sp>
+        <p:sp>
+          <p:nvSpPr>
+            <p:cNvPr id="33" name="타원 32">
+              <a:extLst>
+                <a:ext uri="{FF2B5EF4-FFF2-40B4-BE49-F238E27FC236}">
+                  <a16:creationId xmlns:a16="http://schemas.microsoft.com/office/drawing/2014/main" id="{F1EEBA47-2B6E-120B-944C-9D52E6C4A8BB}"/>
+                </a:ext>
+              </a:extLst>
+            </p:cNvPr>
+            <p:cNvSpPr/>
+            <p:nvPr/>
+          </p:nvSpPr>
+          <p:spPr>
+            <a:xfrm>
+              <a:off x="5547310" y="2771790"/>
+              <a:ext cx="1063838" cy="1063838"/>
+            </a:xfrm>
+            <a:prstGeom prst="ellipse">
+              <a:avLst/>
+            </a:prstGeom>
+            <a:solidFill>
+              <a:schemeClr val="bg1"/>
+            </a:solidFill>
+            <a:ln>
+              <a:noFill/>
+            </a:ln>
+            <a:effectLst>
+              <a:outerShdw blurRad="50800" dist="38100" dir="8100000" algn="tr" rotWithShape="0">
+                <a:srgbClr val="D60093">
+                  <a:alpha val="15000"/>
+                </a:srgbClr>
+              </a:outerShdw>
+            </a:effectLst>
+          </p:spPr>
+          <p:style>
+            <a:lnRef idx="2">
+              <a:schemeClr val="accent1">
+                <a:shade val="50000"/>
+              </a:schemeClr>
+            </a:lnRef>
+            <a:fillRef idx="1">
+              <a:schemeClr val="accent1"/>
+            </a:fillRef>
+            <a:effectRef idx="0">
+              <a:schemeClr val="accent1"/>
+            </a:effectRef>
+            <a:fontRef idx="minor">
+              <a:schemeClr val="lt1"/>
+            </a:fontRef>
+          </p:style>
+          <p:txBody>
+            <a:bodyPr rtlCol="0" anchor="ctr"/>
+            <a:lstStyle/>
+            <a:p>
+              <a:pPr algn="ctr">
+                <a:defRPr/>
+              </a:pPr>
+              <a:endParaRPr lang="ko-KR" altLang="en-US" dirty="0">
+                <a:solidFill>
+                  <a:prstClr val="white"/>
+                </a:solidFill>
+              </a:endParaRPr>
+            </a:p>
+          </p:txBody>
+        </p:sp>
+        <p:sp>
+          <p:nvSpPr>
+            <p:cNvPr id="34" name="타원 33">
+              <a:extLst>
+                <a:ext uri="{FF2B5EF4-FFF2-40B4-BE49-F238E27FC236}">
+                  <a16:creationId xmlns:a16="http://schemas.microsoft.com/office/drawing/2014/main" id="{50C72D3E-AF19-42C2-A61C-61FEE84C0F1A}"/>
+                </a:ext>
+              </a:extLst>
+            </p:cNvPr>
+            <p:cNvSpPr/>
+            <p:nvPr/>
+          </p:nvSpPr>
+          <p:spPr>
+            <a:xfrm>
+              <a:off x="8253531" y="2771790"/>
+              <a:ext cx="1063838" cy="1063838"/>
+            </a:xfrm>
+            <a:prstGeom prst="ellipse">
+              <a:avLst/>
+            </a:prstGeom>
+            <a:solidFill>
+              <a:schemeClr val="bg1"/>
+            </a:solidFill>
+            <a:ln>
+              <a:noFill/>
+            </a:ln>
+            <a:effectLst>
+              <a:outerShdw blurRad="50800" dist="38100" dir="8100000" algn="tr" rotWithShape="0">
+                <a:srgbClr val="D60093">
+                  <a:alpha val="15000"/>
+                </a:srgbClr>
+              </a:outerShdw>
+            </a:effectLst>
+          </p:spPr>
+          <p:style>
+            <a:lnRef idx="2">
+              <a:schemeClr val="accent1">
+                <a:shade val="50000"/>
+              </a:schemeClr>
+            </a:lnRef>
+            <a:fillRef idx="1">
+              <a:schemeClr val="accent1"/>
+            </a:fillRef>
+            <a:effectRef idx="0">
+              <a:schemeClr val="accent1"/>
+            </a:effectRef>
+            <a:fontRef idx="minor">
+              <a:schemeClr val="lt1"/>
+            </a:fontRef>
+          </p:style>
+          <p:txBody>
+            <a:bodyPr rtlCol="0" anchor="ctr"/>
+            <a:lstStyle/>
+            <a:p>
+              <a:pPr algn="ctr">
+                <a:defRPr/>
+              </a:pPr>
+              <a:endParaRPr lang="ko-KR" altLang="en-US" dirty="0">
+                <a:solidFill>
+                  <a:prstClr val="white"/>
+                </a:solidFill>
+              </a:endParaRPr>
+            </a:p>
+          </p:txBody>
+        </p:sp>
+        <p:sp>
+          <p:nvSpPr>
+            <p:cNvPr id="35" name="타원 34">
+              <a:extLst>
+                <a:ext uri="{FF2B5EF4-FFF2-40B4-BE49-F238E27FC236}">
+                  <a16:creationId xmlns:a16="http://schemas.microsoft.com/office/drawing/2014/main" id="{AB75D331-0202-7942-66E9-ED1CED18DD35}"/>
+                </a:ext>
+              </a:extLst>
+            </p:cNvPr>
+            <p:cNvSpPr/>
+            <p:nvPr/>
+          </p:nvSpPr>
+          <p:spPr>
+            <a:xfrm>
+              <a:off x="6919078" y="4166124"/>
+              <a:ext cx="1063838" cy="1063838"/>
+            </a:xfrm>
+            <a:prstGeom prst="ellipse">
+              <a:avLst/>
+            </a:prstGeom>
+            <a:solidFill>
+              <a:schemeClr val="bg1"/>
+            </a:solidFill>
+            <a:ln>
+              <a:noFill/>
+            </a:ln>
+            <a:effectLst>
+              <a:outerShdw blurRad="50800" dist="38100" dir="8100000" algn="tr" rotWithShape="0">
+                <a:srgbClr val="D60093">
+                  <a:alpha val="15000"/>
+                </a:srgbClr>
+              </a:outerShdw>
+            </a:effectLst>
+          </p:spPr>
+          <p:style>
+            <a:lnRef idx="2">
+              <a:schemeClr val="accent1">
+                <a:shade val="50000"/>
+              </a:schemeClr>
+            </a:lnRef>
+            <a:fillRef idx="1">
+              <a:schemeClr val="accent1"/>
+            </a:fillRef>
+            <a:effectRef idx="0">
+              <a:schemeClr val="accent1"/>
+            </a:effectRef>
+            <a:fontRef idx="minor">
+              <a:schemeClr val="lt1"/>
+            </a:fontRef>
+          </p:style>
+          <p:txBody>
+            <a:bodyPr rtlCol="0" anchor="ctr"/>
+            <a:lstStyle/>
+            <a:p>
+              <a:pPr algn="ctr">
+                <a:defRPr/>
+              </a:pPr>
+              <a:endParaRPr lang="ko-KR" altLang="en-US" dirty="0">
+                <a:solidFill>
+                  <a:prstClr val="white"/>
+                </a:solidFill>
+              </a:endParaRPr>
+            </a:p>
+          </p:txBody>
+        </p:sp>
+      </p:grpSp>
+      <p:sp>
+        <p:nvSpPr>
+          <p:cNvPr id="41" name="직사각형 40">
+            <a:extLst>
+              <a:ext uri="{FF2B5EF4-FFF2-40B4-BE49-F238E27FC236}">
+                <a16:creationId xmlns:a16="http://schemas.microsoft.com/office/drawing/2014/main" id="{3C1696EC-941A-7A44-3339-1BE3F815C94C}"/>
+              </a:ext>
+            </a:extLst>
+          </p:cNvPr>
+          <p:cNvSpPr/>
+          <p:nvPr/>
+        </p:nvSpPr>
+        <p:spPr>
+          <a:xfrm>
+            <a:off x="2369917" y="1585032"/>
+            <a:ext cx="2106409" cy="879408"/>
+          </a:xfrm>
+          <a:prstGeom prst="rect">
+            <a:avLst/>
+          </a:prstGeom>
+        </p:spPr>
+        <p:txBody>
+          <a:bodyPr wrap="square">
+            <a:spAutoFit/>
+          </a:bodyPr>
+          <a:lstStyle/>
+          <a:p>
+            <a:pPr algn="ctr">
+              <a:lnSpc>
+                <a:spcPct val="150000"/>
+              </a:lnSpc>
+              <a:defRPr/>
+            </a:pPr>
+            <a:r>
+              <a:rPr lang="ko-KR" altLang="en-US" sz="1400" b="1" dirty="0">
+                <a:solidFill>
+                  <a:prstClr val="black">
+                    <a:lumMod val="75000"/>
+                    <a:lumOff val="25000"/>
+                  </a:prstClr>
+                </a:solidFill>
+              </a:rPr>
+              <a:t>김윤기</a:t>
+            </a:r>
+            <a:endParaRPr lang="en-US" altLang="ko-KR" sz="1400" b="1" dirty="0">
+              <a:solidFill>
+                <a:prstClr val="black">
+                  <a:lumMod val="75000"/>
+                  <a:lumOff val="25000"/>
+                </a:prstClr>
+              </a:solidFill>
+            </a:endParaRPr>
+          </a:p>
+          <a:p>
+            <a:pPr algn="ctr">
+              <a:lnSpc>
+                <a:spcPct val="150000"/>
+              </a:lnSpc>
+              <a:defRPr/>
+            </a:pPr>
+            <a:r>
+              <a:rPr lang="ko-KR" altLang="en-US" sz="1400" dirty="0" err="1">
+                <a:solidFill>
+                  <a:prstClr val="black">
+                    <a:lumMod val="75000"/>
+                    <a:lumOff val="25000"/>
+                  </a:prstClr>
+                </a:solidFill>
+              </a:rPr>
+              <a:t>백엔드</a:t>
+            </a:r>
+            <a:r>
+              <a:rPr lang="en-US" altLang="ko-KR" sz="1400" dirty="0">
+                <a:solidFill>
+                  <a:prstClr val="black">
+                    <a:lumMod val="75000"/>
+                    <a:lumOff val="25000"/>
+                  </a:prstClr>
+                </a:solidFill>
+              </a:rPr>
+              <a:t>, DB</a:t>
+            </a:r>
+          </a:p>
+          <a:p>
+            <a:pPr algn="ctr">
+              <a:lnSpc>
+                <a:spcPct val="150000"/>
+              </a:lnSpc>
+              <a:defRPr/>
+            </a:pPr>
+            <a:endParaRPr lang="ko-KR" altLang="en-US" sz="700" dirty="0">
+              <a:solidFill>
+                <a:prstClr val="black">
+                  <a:lumMod val="50000"/>
+                  <a:lumOff val="50000"/>
+                </a:prstClr>
+              </a:solidFill>
+            </a:endParaRPr>
+          </a:p>
+        </p:txBody>
+      </p:sp>
+      <p:sp>
+        <p:nvSpPr>
+          <p:cNvPr id="42" name="직사각형 41">
+            <a:extLst>
+              <a:ext uri="{FF2B5EF4-FFF2-40B4-BE49-F238E27FC236}">
+                <a16:creationId xmlns:a16="http://schemas.microsoft.com/office/drawing/2014/main" id="{62E00C88-29A6-FB4B-5A87-5B3B9251CB8B}"/>
+              </a:ext>
+            </a:extLst>
+          </p:cNvPr>
+          <p:cNvSpPr/>
+          <p:nvPr/>
+        </p:nvSpPr>
+        <p:spPr>
+          <a:xfrm>
+            <a:off x="5042795" y="1597926"/>
+            <a:ext cx="2106409" cy="879408"/>
+          </a:xfrm>
+          <a:prstGeom prst="rect">
+            <a:avLst/>
+          </a:prstGeom>
+        </p:spPr>
+        <p:txBody>
+          <a:bodyPr wrap="square">
+            <a:spAutoFit/>
+          </a:bodyPr>
+          <a:lstStyle/>
+          <a:p>
+            <a:pPr algn="ctr">
+              <a:lnSpc>
+                <a:spcPct val="150000"/>
+              </a:lnSpc>
+              <a:defRPr/>
+            </a:pPr>
+            <a:r>
+              <a:rPr lang="ko-KR" altLang="en-US" sz="1400" b="1" dirty="0">
+                <a:solidFill>
+                  <a:prstClr val="black">
+                    <a:lumMod val="75000"/>
+                    <a:lumOff val="25000"/>
+                  </a:prstClr>
+                </a:solidFill>
+              </a:rPr>
+              <a:t>임현민</a:t>
+            </a:r>
+            <a:endParaRPr lang="en-US" altLang="ko-KR" sz="1400" b="1" dirty="0">
+              <a:solidFill>
+                <a:prstClr val="black">
+                  <a:lumMod val="75000"/>
+                  <a:lumOff val="25000"/>
+                </a:prstClr>
+              </a:solidFill>
+            </a:endParaRPr>
+          </a:p>
+          <a:p>
+            <a:pPr algn="ctr">
+              <a:lnSpc>
+                <a:spcPct val="150000"/>
+              </a:lnSpc>
+              <a:defRPr/>
+            </a:pPr>
+            <a:r>
+              <a:rPr lang="ko-KR" altLang="en-US" sz="1400" dirty="0" err="1">
+                <a:solidFill>
+                  <a:prstClr val="black">
+                    <a:lumMod val="75000"/>
+                    <a:lumOff val="25000"/>
+                  </a:prstClr>
+                </a:solidFill>
+              </a:rPr>
+              <a:t>백엔드</a:t>
+            </a:r>
+            <a:r>
+              <a:rPr lang="en-US" altLang="ko-KR" sz="1400" dirty="0">
+                <a:solidFill>
+                  <a:prstClr val="black">
+                    <a:lumMod val="75000"/>
+                    <a:lumOff val="25000"/>
+                  </a:prstClr>
+                </a:solidFill>
+              </a:rPr>
+              <a:t>, DB, PPT, </a:t>
+            </a:r>
+            <a:r>
+              <a:rPr lang="ko-KR" altLang="en-US" sz="1400" dirty="0">
+                <a:solidFill>
+                  <a:prstClr val="black">
+                    <a:lumMod val="75000"/>
+                    <a:lumOff val="25000"/>
+                  </a:prstClr>
+                </a:solidFill>
+              </a:rPr>
+              <a:t>발표</a:t>
+            </a:r>
+            <a:endParaRPr lang="en-US" altLang="ko-KR" sz="1400" dirty="0">
+              <a:solidFill>
+                <a:prstClr val="black">
+                  <a:lumMod val="75000"/>
+                  <a:lumOff val="25000"/>
+                </a:prstClr>
+              </a:solidFill>
+            </a:endParaRPr>
+          </a:p>
+          <a:p>
+            <a:pPr algn="ctr">
+              <a:lnSpc>
+                <a:spcPct val="150000"/>
+              </a:lnSpc>
+              <a:defRPr/>
+            </a:pPr>
+            <a:endParaRPr lang="ko-KR" altLang="en-US" sz="700" dirty="0">
+              <a:solidFill>
+                <a:prstClr val="black">
+                  <a:lumMod val="50000"/>
+                  <a:lumOff val="50000"/>
+                </a:prstClr>
+              </a:solidFill>
+            </a:endParaRPr>
+          </a:p>
+        </p:txBody>
+      </p:sp>
+      <p:sp>
+        <p:nvSpPr>
+          <p:cNvPr id="43" name="직사각형 42">
+            <a:extLst>
+              <a:ext uri="{FF2B5EF4-FFF2-40B4-BE49-F238E27FC236}">
+                <a16:creationId xmlns:a16="http://schemas.microsoft.com/office/drawing/2014/main" id="{5BE62480-2B55-8912-F2D3-BD94961599BC}"/>
+              </a:ext>
+            </a:extLst>
+          </p:cNvPr>
+          <p:cNvSpPr/>
+          <p:nvPr/>
+        </p:nvSpPr>
+        <p:spPr>
+          <a:xfrm>
+            <a:off x="7715673" y="1610820"/>
+            <a:ext cx="2106409" cy="697050"/>
+          </a:xfrm>
+          <a:prstGeom prst="rect">
+            <a:avLst/>
+          </a:prstGeom>
+        </p:spPr>
+        <p:txBody>
+          <a:bodyPr wrap="square">
+            <a:spAutoFit/>
+          </a:bodyPr>
+          <a:lstStyle/>
+          <a:p>
+            <a:pPr algn="ctr">
+              <a:lnSpc>
+                <a:spcPct val="150000"/>
+              </a:lnSpc>
+              <a:defRPr/>
+            </a:pPr>
+            <a:r>
+              <a:rPr lang="ko-KR" altLang="en-US" sz="1400" b="1" dirty="0">
+                <a:solidFill>
+                  <a:prstClr val="black">
+                    <a:lumMod val="75000"/>
+                    <a:lumOff val="25000"/>
+                  </a:prstClr>
+                </a:solidFill>
+              </a:rPr>
+              <a:t>이진욱</a:t>
+            </a:r>
+            <a:endParaRPr lang="en-US" altLang="ko-KR" sz="1400" b="1" dirty="0">
+              <a:solidFill>
+                <a:prstClr val="black">
+                  <a:lumMod val="75000"/>
+                  <a:lumOff val="25000"/>
+                </a:prstClr>
+              </a:solidFill>
+            </a:endParaRPr>
+          </a:p>
+          <a:p>
+            <a:pPr algn="ctr">
+              <a:lnSpc>
+                <a:spcPct val="150000"/>
+              </a:lnSpc>
+              <a:defRPr/>
+            </a:pPr>
+            <a:r>
+              <a:rPr lang="ko-KR" altLang="en-US" sz="1400" dirty="0" err="1">
+                <a:solidFill>
+                  <a:prstClr val="black">
+                    <a:lumMod val="75000"/>
+                    <a:lumOff val="25000"/>
+                  </a:prstClr>
+                </a:solidFill>
+              </a:rPr>
+              <a:t>프론트엔드</a:t>
+            </a:r>
+            <a:endParaRPr lang="en-US" altLang="ko-KR" sz="1400" dirty="0">
+              <a:solidFill>
+                <a:prstClr val="black">
+                  <a:lumMod val="75000"/>
+                  <a:lumOff val="25000"/>
+                </a:prstClr>
+              </a:solidFill>
+            </a:endParaRPr>
+          </a:p>
+        </p:txBody>
+      </p:sp>
+      <p:sp>
+        <p:nvSpPr>
+          <p:cNvPr id="44" name="직사각형 43">
+            <a:extLst>
+              <a:ext uri="{FF2B5EF4-FFF2-40B4-BE49-F238E27FC236}">
+                <a16:creationId xmlns:a16="http://schemas.microsoft.com/office/drawing/2014/main" id="{8E256315-ADE4-7A9A-7CD1-3E3E6291D26C}"/>
+              </a:ext>
+            </a:extLst>
+          </p:cNvPr>
+          <p:cNvSpPr/>
+          <p:nvPr/>
+        </p:nvSpPr>
+        <p:spPr>
+          <a:xfrm>
+            <a:off x="3610851" y="5472818"/>
+            <a:ext cx="2106409" cy="697050"/>
+          </a:xfrm>
+          <a:prstGeom prst="rect">
+            <a:avLst/>
+          </a:prstGeom>
+        </p:spPr>
+        <p:txBody>
+          <a:bodyPr wrap="square">
+            <a:spAutoFit/>
+          </a:bodyPr>
+          <a:lstStyle/>
+          <a:p>
+            <a:pPr algn="ctr">
+              <a:lnSpc>
+                <a:spcPct val="150000"/>
+              </a:lnSpc>
+              <a:defRPr/>
+            </a:pPr>
+            <a:r>
+              <a:rPr lang="ko-KR" altLang="en-US" sz="1400" b="1" dirty="0">
+                <a:solidFill>
+                  <a:prstClr val="black">
+                    <a:lumMod val="75000"/>
+                    <a:lumOff val="25000"/>
+                  </a:prstClr>
+                </a:solidFill>
+              </a:rPr>
+              <a:t>손은영</a:t>
+            </a:r>
+            <a:endParaRPr lang="en-US" altLang="ko-KR" sz="1400" b="1" dirty="0">
+              <a:solidFill>
+                <a:prstClr val="black">
+                  <a:lumMod val="75000"/>
+                  <a:lumOff val="25000"/>
+                </a:prstClr>
+              </a:solidFill>
+            </a:endParaRPr>
+          </a:p>
+          <a:p>
+            <a:pPr algn="ctr">
+              <a:lnSpc>
+                <a:spcPct val="150000"/>
+              </a:lnSpc>
+              <a:defRPr/>
+            </a:pPr>
+            <a:r>
+              <a:rPr lang="ko-KR" altLang="en-US" sz="1400" dirty="0" err="1">
+                <a:solidFill>
+                  <a:prstClr val="black">
+                    <a:lumMod val="75000"/>
+                    <a:lumOff val="25000"/>
+                  </a:prstClr>
+                </a:solidFill>
+              </a:rPr>
+              <a:t>풀스택</a:t>
+            </a:r>
+            <a:r>
+              <a:rPr lang="en-US" altLang="ko-KR" sz="1400" dirty="0">
+                <a:solidFill>
+                  <a:prstClr val="black">
+                    <a:lumMod val="75000"/>
+                    <a:lumOff val="25000"/>
+                  </a:prstClr>
+                </a:solidFill>
+              </a:rPr>
+              <a:t>, </a:t>
+            </a:r>
+            <a:r>
+              <a:rPr lang="ko-KR" altLang="en-US" sz="1400" dirty="0">
+                <a:solidFill>
+                  <a:prstClr val="black">
+                    <a:lumMod val="75000"/>
+                    <a:lumOff val="25000"/>
+                  </a:prstClr>
+                </a:solidFill>
+              </a:rPr>
+              <a:t>발표</a:t>
+            </a:r>
+            <a:endParaRPr lang="ko-KR" altLang="en-US" sz="700" dirty="0">
+              <a:solidFill>
+                <a:prstClr val="black">
+                  <a:lumMod val="50000"/>
+                  <a:lumOff val="50000"/>
+                </a:prstClr>
+              </a:solidFill>
+            </a:endParaRPr>
+          </a:p>
+        </p:txBody>
+      </p:sp>
+      <p:sp>
+        <p:nvSpPr>
+          <p:cNvPr id="45" name="직사각형 44">
+            <a:extLst>
+              <a:ext uri="{FF2B5EF4-FFF2-40B4-BE49-F238E27FC236}">
+                <a16:creationId xmlns:a16="http://schemas.microsoft.com/office/drawing/2014/main" id="{6C481D4F-E6D9-D946-6D2D-E874C75D6220}"/>
+              </a:ext>
+            </a:extLst>
+          </p:cNvPr>
+          <p:cNvSpPr/>
+          <p:nvPr/>
+        </p:nvSpPr>
+        <p:spPr>
+          <a:xfrm>
+            <a:off x="6283729" y="5485712"/>
+            <a:ext cx="2106409" cy="697050"/>
+          </a:xfrm>
+          <a:prstGeom prst="rect">
+            <a:avLst/>
+          </a:prstGeom>
+        </p:spPr>
+        <p:txBody>
+          <a:bodyPr wrap="square">
+            <a:spAutoFit/>
+          </a:bodyPr>
+          <a:lstStyle/>
+          <a:p>
+            <a:pPr algn="ctr">
+              <a:lnSpc>
+                <a:spcPct val="150000"/>
+              </a:lnSpc>
+              <a:defRPr/>
+            </a:pPr>
+            <a:r>
+              <a:rPr lang="ko-KR" altLang="en-US" sz="1400" b="1" dirty="0" err="1">
+                <a:solidFill>
+                  <a:prstClr val="black">
+                    <a:lumMod val="75000"/>
+                    <a:lumOff val="25000"/>
+                  </a:prstClr>
+                </a:solidFill>
+              </a:rPr>
+              <a:t>유명준</a:t>
+            </a:r>
+            <a:endParaRPr lang="en-US" altLang="ko-KR" sz="1400" b="1" dirty="0">
+              <a:solidFill>
+                <a:prstClr val="black">
+                  <a:lumMod val="75000"/>
+                  <a:lumOff val="25000"/>
+                </a:prstClr>
+              </a:solidFill>
+            </a:endParaRPr>
+          </a:p>
+          <a:p>
+            <a:pPr algn="ctr">
+              <a:lnSpc>
+                <a:spcPct val="150000"/>
+              </a:lnSpc>
+              <a:defRPr/>
+            </a:pPr>
+            <a:r>
+              <a:rPr lang="ko-KR" altLang="en-US" sz="1400" dirty="0" err="1">
+                <a:solidFill>
+                  <a:prstClr val="black">
+                    <a:lumMod val="75000"/>
+                    <a:lumOff val="25000"/>
+                  </a:prstClr>
+                </a:solidFill>
+              </a:rPr>
+              <a:t>프론트엔드</a:t>
+            </a:r>
+            <a:endParaRPr lang="en-US" altLang="ko-KR" sz="1400" dirty="0">
+              <a:solidFill>
+                <a:prstClr val="black">
+                  <a:lumMod val="75000"/>
+                  <a:lumOff val="25000"/>
+                </a:prstClr>
+              </a:solidFill>
+            </a:endParaRPr>
+          </a:p>
+        </p:txBody>
+      </p:sp>
+      <p:pic>
+        <p:nvPicPr>
+          <p:cNvPr id="48" name="그림 47" descr="스크린샷, 폰트, 그래픽, 디자인이(가) 표시된 사진&#10;&#10;자동 생성된 설명">
+            <a:extLst>
+              <a:ext uri="{FF2B5EF4-FFF2-40B4-BE49-F238E27FC236}">
+                <a16:creationId xmlns:a16="http://schemas.microsoft.com/office/drawing/2014/main" id="{6688D540-A7AF-1997-B1B5-EDBCBFB9861F}"/>
+              </a:ext>
+            </a:extLst>
+          </p:cNvPr>
+          <p:cNvPicPr>
+            <a:picLocks noChangeAspect="1"/>
+          </p:cNvPicPr>
+          <p:nvPr/>
+        </p:nvPicPr>
+        <p:blipFill>
+          <a:blip r:embed="rId2">
+            <a:extLst>
+              <a:ext uri="{28A0092B-C50C-407E-A947-70E740481C1C}">
+                <a14:useLocalDpi xmlns:a14="http://schemas.microsoft.com/office/drawing/2010/main" val="0"/>
+              </a:ext>
+            </a:extLst>
+          </a:blip>
+          <a:stretch>
+            <a:fillRect/>
+          </a:stretch>
+        </p:blipFill>
+        <p:spPr>
+          <a:xfrm>
+            <a:off x="3199595" y="3129892"/>
+            <a:ext cx="467911" cy="403181"/>
+          </a:xfrm>
+          <a:prstGeom prst="rect">
+            <a:avLst/>
+          </a:prstGeom>
+        </p:spPr>
+      </p:pic>
+      <p:pic>
+        <p:nvPicPr>
+          <p:cNvPr id="49" name="그림 48" descr="스크린샷, 폰트, 그래픽, 디자인이(가) 표시된 사진&#10;&#10;자동 생성된 설명">
+            <a:extLst>
+              <a:ext uri="{FF2B5EF4-FFF2-40B4-BE49-F238E27FC236}">
+                <a16:creationId xmlns:a16="http://schemas.microsoft.com/office/drawing/2014/main" id="{C3AA3C3F-A52D-707A-E40E-F79E35F558AC}"/>
+              </a:ext>
+            </a:extLst>
+          </p:cNvPr>
+          <p:cNvPicPr>
+            <a:picLocks noChangeAspect="1"/>
+          </p:cNvPicPr>
+          <p:nvPr/>
+        </p:nvPicPr>
+        <p:blipFill>
+          <a:blip r:embed="rId2">
+            <a:extLst>
+              <a:ext uri="{28A0092B-C50C-407E-A947-70E740481C1C}">
+                <a14:useLocalDpi xmlns:a14="http://schemas.microsoft.com/office/drawing/2010/main" val="0"/>
+              </a:ext>
+            </a:extLst>
+          </a:blip>
+          <a:stretch>
+            <a:fillRect/>
+          </a:stretch>
+        </p:blipFill>
+        <p:spPr>
+          <a:xfrm>
+            <a:off x="4509801" y="4498810"/>
+            <a:ext cx="467911" cy="403181"/>
+          </a:xfrm>
+          <a:prstGeom prst="rect">
+            <a:avLst/>
+          </a:prstGeom>
+        </p:spPr>
+      </p:pic>
+      <p:pic>
+        <p:nvPicPr>
+          <p:cNvPr id="50" name="그림 49" descr="스크린샷, 폰트, 그래픽, 디자인이(가) 표시된 사진&#10;&#10;자동 생성된 설명">
+            <a:extLst>
+              <a:ext uri="{FF2B5EF4-FFF2-40B4-BE49-F238E27FC236}">
+                <a16:creationId xmlns:a16="http://schemas.microsoft.com/office/drawing/2014/main" id="{BBD18DB7-5E7B-46C6-D4E7-52E0D9258FC3}"/>
+              </a:ext>
+            </a:extLst>
+          </p:cNvPr>
+          <p:cNvPicPr>
+            <a:picLocks noChangeAspect="1"/>
+          </p:cNvPicPr>
+          <p:nvPr/>
+        </p:nvPicPr>
+        <p:blipFill>
+          <a:blip r:embed="rId2">
+            <a:extLst>
+              <a:ext uri="{28A0092B-C50C-407E-A947-70E740481C1C}">
+                <a14:useLocalDpi xmlns:a14="http://schemas.microsoft.com/office/drawing/2010/main" val="0"/>
+              </a:ext>
+            </a:extLst>
+          </a:blip>
+          <a:stretch>
+            <a:fillRect/>
+          </a:stretch>
+        </p:blipFill>
+        <p:spPr>
+          <a:xfrm>
+            <a:off x="5851368" y="3158444"/>
+            <a:ext cx="467911" cy="403181"/>
+          </a:xfrm>
+          <a:prstGeom prst="rect">
+            <a:avLst/>
+          </a:prstGeom>
+        </p:spPr>
+      </p:pic>
+      <p:pic>
+        <p:nvPicPr>
+          <p:cNvPr id="52" name="그림 51" descr="텍스트, 스크린샷, 그래픽, 상징이(가) 표시된 사진&#10;&#10;자동 생성된 설명">
+            <a:extLst>
+              <a:ext uri="{FF2B5EF4-FFF2-40B4-BE49-F238E27FC236}">
+                <a16:creationId xmlns:a16="http://schemas.microsoft.com/office/drawing/2014/main" id="{5FA4776D-EFC1-21F1-DB15-F19261A5D6C1}"/>
+              </a:ext>
+            </a:extLst>
+          </p:cNvPr>
+          <p:cNvPicPr>
+            <a:picLocks noChangeAspect="1"/>
+          </p:cNvPicPr>
+          <p:nvPr/>
+        </p:nvPicPr>
+        <p:blipFill>
+          <a:blip r:embed="rId3">
+            <a:extLst>
+              <a:ext uri="{28A0092B-C50C-407E-A947-70E740481C1C}">
+                <a14:useLocalDpi xmlns:a14="http://schemas.microsoft.com/office/drawing/2010/main" val="0"/>
+              </a:ext>
+            </a:extLst>
+          </a:blip>
+          <a:stretch>
+            <a:fillRect/>
+          </a:stretch>
+        </p:blipFill>
+        <p:spPr>
+          <a:xfrm>
+            <a:off x="7267764" y="4500458"/>
+            <a:ext cx="359811" cy="403869"/>
+          </a:xfrm>
+          <a:prstGeom prst="rect">
+            <a:avLst/>
+          </a:prstGeom>
+        </p:spPr>
+      </p:pic>
+      <p:pic>
+        <p:nvPicPr>
+          <p:cNvPr id="53" name="그림 52" descr="텍스트, 스크린샷, 그래픽, 상징이(가) 표시된 사진&#10;&#10;자동 생성된 설명">
+            <a:extLst>
+              <a:ext uri="{FF2B5EF4-FFF2-40B4-BE49-F238E27FC236}">
+                <a16:creationId xmlns:a16="http://schemas.microsoft.com/office/drawing/2014/main" id="{8F39FD24-B956-D5B2-0D75-20612F9FC85C}"/>
+              </a:ext>
+            </a:extLst>
+          </p:cNvPr>
+          <p:cNvPicPr>
+            <a:picLocks noChangeAspect="1"/>
+          </p:cNvPicPr>
+          <p:nvPr/>
+        </p:nvPicPr>
+        <p:blipFill>
+          <a:blip r:embed="rId3">
+            <a:extLst>
+              <a:ext uri="{28A0092B-C50C-407E-A947-70E740481C1C}">
+                <a14:useLocalDpi xmlns:a14="http://schemas.microsoft.com/office/drawing/2010/main" val="0"/>
+              </a:ext>
+            </a:extLst>
+          </a:blip>
+          <a:stretch>
+            <a:fillRect/>
+          </a:stretch>
+        </p:blipFill>
+        <p:spPr>
+          <a:xfrm>
+            <a:off x="8617348" y="3082044"/>
+            <a:ext cx="359811" cy="403869"/>
+          </a:xfrm>
+          <a:prstGeom prst="rect">
+            <a:avLst/>
+          </a:prstGeom>
+        </p:spPr>
+      </p:pic>
+      <p:cxnSp>
+        <p:nvCxnSpPr>
+          <p:cNvPr id="54" name="직선 연결선 53">
+            <a:extLst>
+              <a:ext uri="{FF2B5EF4-FFF2-40B4-BE49-F238E27FC236}">
+                <a16:creationId xmlns:a16="http://schemas.microsoft.com/office/drawing/2014/main" id="{49562AE4-5953-8D25-4B90-55C9DB78936D}"/>
+              </a:ext>
+            </a:extLst>
+          </p:cNvPr>
+          <p:cNvCxnSpPr/>
+          <p:nvPr/>
+        </p:nvCxnSpPr>
+        <p:spPr>
+          <a:xfrm>
+            <a:off x="748582" y="1086592"/>
+            <a:ext cx="10608354" cy="0"/>
+          </a:xfrm>
+          <a:prstGeom prst="line">
+            <a:avLst/>
+          </a:prstGeom>
+          <a:ln>
+            <a:solidFill>
+              <a:schemeClr val="tx1"/>
+            </a:solidFill>
+            <a:headEnd type="oval"/>
+          </a:ln>
+        </p:spPr>
+        <p:style>
+          <a:lnRef idx="1">
+            <a:schemeClr val="accent1"/>
+          </a:lnRef>
+          <a:fillRef idx="0">
+            <a:schemeClr val="accent1"/>
+          </a:fillRef>
+          <a:effectRef idx="0">
+            <a:schemeClr val="accent1"/>
+          </a:effectRef>
+          <a:fontRef idx="minor">
+            <a:schemeClr val="tx1"/>
+          </a:fontRef>
+        </p:style>
+      </p:cxnSp>
+      <p:pic>
+        <p:nvPicPr>
+          <p:cNvPr id="55" name="Picture 2" descr="D-171] 공부 끝 - 오르비">
+            <a:extLst>
+              <a:ext uri="{FF2B5EF4-FFF2-40B4-BE49-F238E27FC236}">
+                <a16:creationId xmlns:a16="http://schemas.microsoft.com/office/drawing/2014/main" id="{8A5CF052-5FE6-76FF-92D1-6912B573F804}"/>
+              </a:ext>
+            </a:extLst>
+          </p:cNvPr>
+          <p:cNvPicPr>
+            <a:picLocks noChangeAspect="1" noChangeArrowheads="1"/>
+          </p:cNvPicPr>
+          <p:nvPr/>
+        </p:nvPicPr>
+        <p:blipFill rotWithShape="1">
+          <a:blip r:embed="rId4">
+            <a:alphaModFix amt="26000"/>
+          </a:blip>
+          <a:srcRect l="33060"/>
+          <a:stretch>
+            <a:fillRect/>
+          </a:stretch>
+        </p:blipFill>
+        <p:spPr>
+          <a:xfrm>
+            <a:off x="319745" y="-6478"/>
+            <a:ext cx="417237" cy="405138"/>
+          </a:xfrm>
+          <a:prstGeom prst="rect">
+            <a:avLst/>
+          </a:prstGeom>
+          <a:noFill/>
+        </p:spPr>
+      </p:pic>
     </p:spTree>
     <p:extLst>
       <p:ext uri="{BB962C8B-B14F-4D97-AF65-F5344CB8AC3E}">
